--- a/07 - ReactJS/09 - React Hooks/00 - Presentation/06. React-JS-React-Hooks.pptx
+++ b/07 - ReactJS/09 - React Hooks/00 - Presentation/06. React-JS-React-Hooks.pptx
@@ -290,7 +290,7 @@
           <p:cNvPr id="2" name="Header Placeholder 1">
             <a:extLst>
               <a:ext uri="{FF2B5EF4-FFF2-40B4-BE49-F238E27FC236}">
-                <a16:creationId xmlns:a16="http://schemas.microsoft.com/office/drawing/2014/main" xmlns="" id="{56F20103-83CC-4A54-8FDE-9D37FC2629C0}"/>
+                <a16:creationId xmlns:a16="http://schemas.microsoft.com/office/drawing/2014/main" id="{56F20103-83CC-4A54-8FDE-9D37FC2629C0}"/>
               </a:ext>
             </a:extLst>
           </p:cNvPr>
@@ -327,7 +327,7 @@
           <p:cNvPr id="3" name="Date Placeholder 2">
             <a:extLst>
               <a:ext uri="{FF2B5EF4-FFF2-40B4-BE49-F238E27FC236}">
-                <a16:creationId xmlns:a16="http://schemas.microsoft.com/office/drawing/2014/main" xmlns="" id="{27A53962-26EF-44E4-9E69-61B1727AB1C2}"/>
+                <a16:creationId xmlns:a16="http://schemas.microsoft.com/office/drawing/2014/main" id="{27A53962-26EF-44E4-9E69-61B1727AB1C2}"/>
               </a:ext>
             </a:extLst>
           </p:cNvPr>
@@ -357,7 +357,7 @@
           <a:p>
             <a:fld id="{4E087215-0C8F-4762-A664-737A353EC9A4}" type="datetimeFigureOut">
               <a:rPr lang="bg-BG" smtClean="0"/>
-              <a:t>26.11.2021 г.</a:t>
+              <a:t>29.11.2021 г.</a:t>
             </a:fld>
             <a:endParaRPr lang="bg-BG"/>
           </a:p>
@@ -368,7 +368,7 @@
           <p:cNvPr id="4" name="Footer Placeholder 3">
             <a:extLst>
               <a:ext uri="{FF2B5EF4-FFF2-40B4-BE49-F238E27FC236}">
-                <a16:creationId xmlns:a16="http://schemas.microsoft.com/office/drawing/2014/main" xmlns="" id="{28A6967E-448F-4887-8FCB-34482EFBCC74}"/>
+                <a16:creationId xmlns:a16="http://schemas.microsoft.com/office/drawing/2014/main" id="{28A6967E-448F-4887-8FCB-34482EFBCC74}"/>
               </a:ext>
             </a:extLst>
           </p:cNvPr>
@@ -418,7 +418,7 @@
           <p:cNvPr id="5" name="Slide Number Placeholder 4">
             <a:extLst>
               <a:ext uri="{FF2B5EF4-FFF2-40B4-BE49-F238E27FC236}">
-                <a16:creationId xmlns:a16="http://schemas.microsoft.com/office/drawing/2014/main" xmlns="" id="{8B6554C2-DDBA-40E2-9536-53A07EC50274}"/>
+                <a16:creationId xmlns:a16="http://schemas.microsoft.com/office/drawing/2014/main" id="{8B6554C2-DDBA-40E2-9536-53A07EC50274}"/>
               </a:ext>
             </a:extLst>
           </p:cNvPr>
@@ -548,7 +548,7 @@
           <a:p>
             <a:fld id="{72D84649-876A-46C9-8472-14CB09C070D8}" type="datetimeFigureOut">
               <a:rPr lang="en-US" smtClean="0"/>
-              <a:t>11/26/2021</a:t>
+              <a:t>29-Nov-21</a:t>
             </a:fld>
             <a:endParaRPr lang="en-US"/>
           </a:p>
@@ -686,7 +686,7 @@
           <p:cNvPr id="8" name="Footer Placeholder 7">
             <a:extLst>
               <a:ext uri="{FF2B5EF4-FFF2-40B4-BE49-F238E27FC236}">
-                <a16:creationId xmlns:a16="http://schemas.microsoft.com/office/drawing/2014/main" xmlns="" id="{CAC3A49B-3196-44DF-AC28-085C72EFBFF0}"/>
+                <a16:creationId xmlns:a16="http://schemas.microsoft.com/office/drawing/2014/main" id="{CAC3A49B-3196-44DF-AC28-085C72EFBFF0}"/>
               </a:ext>
             </a:extLst>
           </p:cNvPr>
@@ -912,7 +912,7 @@
           <p:cNvPr id="7" name="Footer Placeholder 7">
             <a:extLst>
               <a:ext uri="{FF2B5EF4-FFF2-40B4-BE49-F238E27FC236}">
-                <a16:creationId xmlns:a16="http://schemas.microsoft.com/office/drawing/2014/main" xmlns="" id="{F1B6C79E-21F1-4A80-89B8-5761B2103814}"/>
+                <a16:creationId xmlns:a16="http://schemas.microsoft.com/office/drawing/2014/main" id="{F1B6C79E-21F1-4A80-89B8-5761B2103814}"/>
               </a:ext>
             </a:extLst>
           </p:cNvPr>
@@ -1049,7 +1049,7 @@
           <p:cNvPr id="6" name="Footer Placeholder 7">
             <a:extLst>
               <a:ext uri="{FF2B5EF4-FFF2-40B4-BE49-F238E27FC236}">
-                <a16:creationId xmlns:a16="http://schemas.microsoft.com/office/drawing/2014/main" xmlns="" id="{4B2DB8B6-2824-46E9-8899-D995DAB6340A}"/>
+                <a16:creationId xmlns:a16="http://schemas.microsoft.com/office/drawing/2014/main" id="{4B2DB8B6-2824-46E9-8899-D995DAB6340A}"/>
               </a:ext>
             </a:extLst>
           </p:cNvPr>
@@ -1243,7 +1243,7 @@
           <p:cNvPr id="6" name="Footer Placeholder 7">
             <a:extLst>
               <a:ext uri="{FF2B5EF4-FFF2-40B4-BE49-F238E27FC236}">
-                <a16:creationId xmlns:a16="http://schemas.microsoft.com/office/drawing/2014/main" xmlns="" id="{DF158EBE-7928-491B-9B36-9613F1D6932F}"/>
+                <a16:creationId xmlns:a16="http://schemas.microsoft.com/office/drawing/2014/main" id="{DF158EBE-7928-491B-9B36-9613F1D6932F}"/>
               </a:ext>
             </a:extLst>
           </p:cNvPr>
@@ -1437,7 +1437,7 @@
           <p:cNvPr id="6" name="Footer Placeholder 7">
             <a:extLst>
               <a:ext uri="{FF2B5EF4-FFF2-40B4-BE49-F238E27FC236}">
-                <a16:creationId xmlns:a16="http://schemas.microsoft.com/office/drawing/2014/main" xmlns="" id="{D30B3E7F-14CD-4C62-B699-E4540459DB4C}"/>
+                <a16:creationId xmlns:a16="http://schemas.microsoft.com/office/drawing/2014/main" id="{D30B3E7F-14CD-4C62-B699-E4540459DB4C}"/>
               </a:ext>
             </a:extLst>
           </p:cNvPr>
@@ -1548,7 +1548,7 @@
           <p:cNvPr id="7" name="Slide Number Placeholder 5">
             <a:extLst>
               <a:ext uri="{FF2B5EF4-FFF2-40B4-BE49-F238E27FC236}">
-                <a16:creationId xmlns:a16="http://schemas.microsoft.com/office/drawing/2014/main" xmlns="" id="{5049B984-F964-47FF-8179-0A3007CE21CD}"/>
+                <a16:creationId xmlns:a16="http://schemas.microsoft.com/office/drawing/2014/main" id="{5049B984-F964-47FF-8179-0A3007CE21CD}"/>
               </a:ext>
             </a:extLst>
           </p:cNvPr>
@@ -1678,7 +1678,7 @@
           <p:cNvPr id="6" name="Footer Placeholder 7">
             <a:extLst>
               <a:ext uri="{FF2B5EF4-FFF2-40B4-BE49-F238E27FC236}">
-                <a16:creationId xmlns:a16="http://schemas.microsoft.com/office/drawing/2014/main" xmlns="" id="{F8C1E4FC-5B22-4531-84CA-B2E677EADA89}"/>
+                <a16:creationId xmlns:a16="http://schemas.microsoft.com/office/drawing/2014/main" id="{F8C1E4FC-5B22-4531-84CA-B2E677EADA89}"/>
               </a:ext>
             </a:extLst>
           </p:cNvPr>
@@ -1791,7 +1791,7 @@
           <p:cNvPr id="5" name="Footer Placeholder 7">
             <a:extLst>
               <a:ext uri="{FF2B5EF4-FFF2-40B4-BE49-F238E27FC236}">
-                <a16:creationId xmlns:a16="http://schemas.microsoft.com/office/drawing/2014/main" xmlns="" id="{CAC3A49B-3196-44DF-AC28-085C72EFBFF0}"/>
+                <a16:creationId xmlns:a16="http://schemas.microsoft.com/office/drawing/2014/main" id="{CAC3A49B-3196-44DF-AC28-085C72EFBFF0}"/>
               </a:ext>
             </a:extLst>
           </p:cNvPr>
@@ -1913,7 +1913,7 @@
           <p:cNvPr id="7" name="Slide Number Placeholder 5">
             <a:extLst>
               <a:ext uri="{FF2B5EF4-FFF2-40B4-BE49-F238E27FC236}">
-                <a16:creationId xmlns:a16="http://schemas.microsoft.com/office/drawing/2014/main" xmlns="" id="{5D1C0779-821B-433B-AB3A-0953EE966C7E}"/>
+                <a16:creationId xmlns:a16="http://schemas.microsoft.com/office/drawing/2014/main" id="{5D1C0779-821B-433B-AB3A-0953EE966C7E}"/>
               </a:ext>
             </a:extLst>
           </p:cNvPr>
@@ -2043,7 +2043,7 @@
           <p:cNvPr id="6" name="Footer Placeholder 7">
             <a:extLst>
               <a:ext uri="{FF2B5EF4-FFF2-40B4-BE49-F238E27FC236}">
-                <a16:creationId xmlns:a16="http://schemas.microsoft.com/office/drawing/2014/main" xmlns="" id="{BA9FFDD2-AAC5-441F-92DB-A568FD2414D1}"/>
+                <a16:creationId xmlns:a16="http://schemas.microsoft.com/office/drawing/2014/main" id="{BA9FFDD2-AAC5-441F-92DB-A568FD2414D1}"/>
               </a:ext>
             </a:extLst>
           </p:cNvPr>
@@ -2154,7 +2154,7 @@
           <p:cNvPr id="6" name="Slide Number Placeholder 5">
             <a:extLst>
               <a:ext uri="{FF2B5EF4-FFF2-40B4-BE49-F238E27FC236}">
-                <a16:creationId xmlns:a16="http://schemas.microsoft.com/office/drawing/2014/main" xmlns="" id="{6627548A-4D3C-449B-81A5-FA4BE4628490}"/>
+                <a16:creationId xmlns:a16="http://schemas.microsoft.com/office/drawing/2014/main" id="{6627548A-4D3C-449B-81A5-FA4BE4628490}"/>
               </a:ext>
             </a:extLst>
           </p:cNvPr>
@@ -2284,7 +2284,7 @@
           <p:cNvPr id="7" name="Footer Placeholder 7">
             <a:extLst>
               <a:ext uri="{FF2B5EF4-FFF2-40B4-BE49-F238E27FC236}">
-                <a16:creationId xmlns:a16="http://schemas.microsoft.com/office/drawing/2014/main" xmlns="" id="{227BFDDE-1ABB-4708-91A3-E44209B36EAF}"/>
+                <a16:creationId xmlns:a16="http://schemas.microsoft.com/office/drawing/2014/main" id="{227BFDDE-1ABB-4708-91A3-E44209B36EAF}"/>
               </a:ext>
             </a:extLst>
           </p:cNvPr>
@@ -2364,7 +2364,7 @@
           <p:cNvPr id="16" name="Rectangle Bottom">
             <a:extLst>
               <a:ext uri="{FF2B5EF4-FFF2-40B4-BE49-F238E27FC236}">
-                <a16:creationId xmlns:a16="http://schemas.microsoft.com/office/drawing/2014/main" xmlns="" id="{6854D183-0374-4B3E-B2CE-32F308A81591}"/>
+                <a16:creationId xmlns:a16="http://schemas.microsoft.com/office/drawing/2014/main" id="{6854D183-0374-4B3E-B2CE-32F308A81591}"/>
               </a:ext>
             </a:extLst>
           </p:cNvPr>
@@ -2445,7 +2445,7 @@
           <p:cNvPr id="14" name="Picture Logo SoftUni" descr="SoftUni logo">
             <a:extLst>
               <a:ext uri="{FF2B5EF4-FFF2-40B4-BE49-F238E27FC236}">
-                <a16:creationId xmlns:a16="http://schemas.microsoft.com/office/drawing/2014/main" xmlns="" id="{C4D6B2A2-DFF0-4712-BFEC-6676BEC99FEC}"/>
+                <a16:creationId xmlns:a16="http://schemas.microsoft.com/office/drawing/2014/main" id="{C4D6B2A2-DFF0-4712-BFEC-6676BEC99FEC}"/>
               </a:ext>
             </a:extLst>
           </p:cNvPr>
@@ -2491,7 +2491,7 @@
           <p:cNvPr id="31" name="Text Placeholder Company Site">
             <a:extLst>
               <a:ext uri="{FF2B5EF4-FFF2-40B4-BE49-F238E27FC236}">
-                <a16:creationId xmlns:a16="http://schemas.microsoft.com/office/drawing/2014/main" xmlns="" id="{3E6B87B7-9D33-4EBB-BD4F-C0436BA3FD72}"/>
+                <a16:creationId xmlns:a16="http://schemas.microsoft.com/office/drawing/2014/main" id="{3E6B87B7-9D33-4EBB-BD4F-C0436BA3FD72}"/>
               </a:ext>
             </a:extLst>
           </p:cNvPr>
@@ -2553,7 +2553,7 @@
           <p:cNvPr id="30" name="Text Placeholder Company Name">
             <a:extLst>
               <a:ext uri="{FF2B5EF4-FFF2-40B4-BE49-F238E27FC236}">
-                <a16:creationId xmlns:a16="http://schemas.microsoft.com/office/drawing/2014/main" xmlns="" id="{2EA92DCA-4DB5-4D03-ACD3-A6A296592D0C}"/>
+                <a16:creationId xmlns:a16="http://schemas.microsoft.com/office/drawing/2014/main" id="{2EA92DCA-4DB5-4D03-ACD3-A6A296592D0C}"/>
               </a:ext>
             </a:extLst>
           </p:cNvPr>
@@ -2615,7 +2615,7 @@
           <p:cNvPr id="35" name="Picture SoftUni Mascot" descr="SoftUni mascot">
             <a:extLst>
               <a:ext uri="{FF2B5EF4-FFF2-40B4-BE49-F238E27FC236}">
-                <a16:creationId xmlns:a16="http://schemas.microsoft.com/office/drawing/2014/main" xmlns="" id="{951E7DA9-C5F0-43D9-B013-3BDF9EEF029D}"/>
+                <a16:creationId xmlns:a16="http://schemas.microsoft.com/office/drawing/2014/main" id="{951E7DA9-C5F0-43D9-B013-3BDF9EEF029D}"/>
               </a:ext>
             </a:extLst>
           </p:cNvPr>
@@ -2651,7 +2651,7 @@
             <a:hlinkClick r:id="rId4"/>
             <a:extLst>
               <a:ext uri="{FF2B5EF4-FFF2-40B4-BE49-F238E27FC236}">
-                <a16:creationId xmlns:a16="http://schemas.microsoft.com/office/drawing/2014/main" xmlns="" id="{F2315EB3-3FE4-4D3B-921E-5F209CEC13CB}"/>
+                <a16:creationId xmlns:a16="http://schemas.microsoft.com/office/drawing/2014/main" id="{F2315EB3-3FE4-4D3B-921E-5F209CEC13CB}"/>
               </a:ext>
             </a:extLst>
           </p:cNvPr>
@@ -2697,7 +2697,7 @@
           <p:cNvPr id="40" name="Text Placeholder Author Position">
             <a:extLst>
               <a:ext uri="{FF2B5EF4-FFF2-40B4-BE49-F238E27FC236}">
-                <a16:creationId xmlns:a16="http://schemas.microsoft.com/office/drawing/2014/main" xmlns="" id="{CD940256-851E-46C8-8BFB-A5ECA6C7DA07}"/>
+                <a16:creationId xmlns:a16="http://schemas.microsoft.com/office/drawing/2014/main" id="{CD940256-851E-46C8-8BFB-A5ECA6C7DA07}"/>
               </a:ext>
             </a:extLst>
           </p:cNvPr>
@@ -2757,7 +2757,7 @@
           <p:cNvPr id="36" name="Text Placeholder Author Name">
             <a:extLst>
               <a:ext uri="{FF2B5EF4-FFF2-40B4-BE49-F238E27FC236}">
-                <a16:creationId xmlns:a16="http://schemas.microsoft.com/office/drawing/2014/main" xmlns="" id="{3B21F47B-DE1F-442D-A2B7-6866F8786704}"/>
+                <a16:creationId xmlns:a16="http://schemas.microsoft.com/office/drawing/2014/main" id="{3B21F47B-DE1F-442D-A2B7-6866F8786704}"/>
               </a:ext>
             </a:extLst>
           </p:cNvPr>
@@ -2817,7 +2817,7 @@
           <p:cNvPr id="33" name="Picture Placeholder Title Image">
             <a:extLst>
               <a:ext uri="{FF2B5EF4-FFF2-40B4-BE49-F238E27FC236}">
-                <a16:creationId xmlns:a16="http://schemas.microsoft.com/office/drawing/2014/main" xmlns="" id="{A04D819A-89E2-4714-8C56-1838BF467EF7}"/>
+                <a16:creationId xmlns:a16="http://schemas.microsoft.com/office/drawing/2014/main" id="{A04D819A-89E2-4714-8C56-1838BF467EF7}"/>
               </a:ext>
             </a:extLst>
           </p:cNvPr>
@@ -2859,7 +2859,7 @@
           <p:cNvPr id="43" name="Presentation Subtitle">
             <a:extLst>
               <a:ext uri="{FF2B5EF4-FFF2-40B4-BE49-F238E27FC236}">
-                <a16:creationId xmlns:a16="http://schemas.microsoft.com/office/drawing/2014/main" xmlns="" id="{37BDB812-1395-4B02-ABCF-6A331EEE23E5}"/>
+                <a16:creationId xmlns:a16="http://schemas.microsoft.com/office/drawing/2014/main" id="{37BDB812-1395-4B02-ABCF-6A331EEE23E5}"/>
               </a:ext>
             </a:extLst>
           </p:cNvPr>
@@ -2903,7 +2903,7 @@
           <p:cNvPr id="2" name="Presentation Title">
             <a:extLst>
               <a:ext uri="{FF2B5EF4-FFF2-40B4-BE49-F238E27FC236}">
-                <a16:creationId xmlns:a16="http://schemas.microsoft.com/office/drawing/2014/main" xmlns="" id="{A4DF3AB8-E6E3-4FCE-8A4A-ECD147720A5D}"/>
+                <a16:creationId xmlns:a16="http://schemas.microsoft.com/office/drawing/2014/main" id="{A4DF3AB8-E6E3-4FCE-8A4A-ECD147720A5D}"/>
               </a:ext>
             </a:extLst>
           </p:cNvPr>
@@ -2994,7 +2994,7 @@
           <p:cNvPr id="15" name="Slide Number">
             <a:extLst>
               <a:ext uri="{FF2B5EF4-FFF2-40B4-BE49-F238E27FC236}">
-                <a16:creationId xmlns:a16="http://schemas.microsoft.com/office/drawing/2014/main" xmlns="" id="{F888EE71-82B3-40F1-A63F-7417422FB4A4}"/>
+                <a16:creationId xmlns:a16="http://schemas.microsoft.com/office/drawing/2014/main" id="{F888EE71-82B3-40F1-A63F-7417422FB4A4}"/>
               </a:ext>
             </a:extLst>
           </p:cNvPr>
@@ -3036,7 +3036,7 @@
           <p:cNvPr id="14" name="Text Placeholder Body">
             <a:extLst>
               <a:ext uri="{FF2B5EF4-FFF2-40B4-BE49-F238E27FC236}">
-                <a16:creationId xmlns:a16="http://schemas.microsoft.com/office/drawing/2014/main" xmlns="" id="{A2ABE920-240F-4CF6-AD45-23ED489FAD6E}"/>
+                <a16:creationId xmlns:a16="http://schemas.microsoft.com/office/drawing/2014/main" id="{A2ABE920-240F-4CF6-AD45-23ED489FAD6E}"/>
               </a:ext>
             </a:extLst>
           </p:cNvPr>
@@ -3342,7 +3342,7 @@
           <p:cNvPr id="10" name="Rectangle Down">
             <a:extLst>
               <a:ext uri="{FF2B5EF4-FFF2-40B4-BE49-F238E27FC236}">
-                <a16:creationId xmlns:a16="http://schemas.microsoft.com/office/drawing/2014/main" xmlns="" id="{E9B994EC-35A8-4A11-98CB-25DC28852F94}"/>
+                <a16:creationId xmlns:a16="http://schemas.microsoft.com/office/drawing/2014/main" id="{E9B994EC-35A8-4A11-98CB-25DC28852F94}"/>
               </a:ext>
             </a:extLst>
           </p:cNvPr>
@@ -3423,7 +3423,7 @@
           <p:cNvPr id="11" name="Rectangle Top">
             <a:extLst>
               <a:ext uri="{FF2B5EF4-FFF2-40B4-BE49-F238E27FC236}">
-                <a16:creationId xmlns:a16="http://schemas.microsoft.com/office/drawing/2014/main" xmlns="" id="{274B8F05-DFCE-47BD-BAFD-DF93E1A63BDD}"/>
+                <a16:creationId xmlns:a16="http://schemas.microsoft.com/office/drawing/2014/main" id="{274B8F05-DFCE-47BD-BAFD-DF93E1A63BDD}"/>
               </a:ext>
             </a:extLst>
           </p:cNvPr>
@@ -3504,7 +3504,7 @@
           <p:cNvPr id="12" name="Logo Software University" descr="Software University logo">
             <a:extLst>
               <a:ext uri="{FF2B5EF4-FFF2-40B4-BE49-F238E27FC236}">
-                <a16:creationId xmlns:a16="http://schemas.microsoft.com/office/drawing/2014/main" xmlns="" id="{233CBB95-791E-4630-B3D9-FADFCE7BCF52}"/>
+                <a16:creationId xmlns:a16="http://schemas.microsoft.com/office/drawing/2014/main" id="{233CBB95-791E-4630-B3D9-FADFCE7BCF52}"/>
               </a:ext>
             </a:extLst>
           </p:cNvPr>
@@ -3540,7 +3540,7 @@
           <p:cNvPr id="13" name="Slide Title">
             <a:extLst>
               <a:ext uri="{FF2B5EF4-FFF2-40B4-BE49-F238E27FC236}">
-                <a16:creationId xmlns:a16="http://schemas.microsoft.com/office/drawing/2014/main" xmlns="" id="{3F218E34-55D7-4290-BFE4-80F31F941551}"/>
+                <a16:creationId xmlns:a16="http://schemas.microsoft.com/office/drawing/2014/main" id="{3F218E34-55D7-4290-BFE4-80F31F941551}"/>
               </a:ext>
             </a:extLst>
           </p:cNvPr>
@@ -3627,7 +3627,7 @@
           <p:cNvPr id="35" name="Rectangle Bottom">
             <a:extLst>
               <a:ext uri="{FF2B5EF4-FFF2-40B4-BE49-F238E27FC236}">
-                <a16:creationId xmlns:a16="http://schemas.microsoft.com/office/drawing/2014/main" xmlns="" id="{550A59F9-9A9D-4956-95B4-F78CC0DB1D59}"/>
+                <a16:creationId xmlns:a16="http://schemas.microsoft.com/office/drawing/2014/main" id="{550A59F9-9A9D-4956-95B4-F78CC0DB1D59}"/>
               </a:ext>
             </a:extLst>
           </p:cNvPr>
@@ -3708,7 +3708,7 @@
           <p:cNvPr id="53" name="Rectangle Bottom Copyright">
             <a:extLst>
               <a:ext uri="{FF2B5EF4-FFF2-40B4-BE49-F238E27FC236}">
-                <a16:creationId xmlns:a16="http://schemas.microsoft.com/office/drawing/2014/main" xmlns="" id="{B07FB7FB-DA6C-4F5D-B068-357F0FCE27D8}"/>
+                <a16:creationId xmlns:a16="http://schemas.microsoft.com/office/drawing/2014/main" id="{B07FB7FB-DA6C-4F5D-B068-357F0FCE27D8}"/>
               </a:ext>
             </a:extLst>
           </p:cNvPr>
@@ -3801,7 +3801,7 @@
           <p:cNvPr id="26" name="Picture SoftUni Mascot" descr="SoftUni mascot with open hand">
             <a:extLst>
               <a:ext uri="{FF2B5EF4-FFF2-40B4-BE49-F238E27FC236}">
-                <a16:creationId xmlns:a16="http://schemas.microsoft.com/office/drawing/2014/main" xmlns="" id="{247CFF3C-C4FA-493D-8505-DF469F4D36A4}"/>
+                <a16:creationId xmlns:a16="http://schemas.microsoft.com/office/drawing/2014/main" id="{247CFF3C-C4FA-493D-8505-DF469F4D36A4}"/>
               </a:ext>
             </a:extLst>
           </p:cNvPr>
@@ -3837,7 +3837,7 @@
           <p:cNvPr id="2" name="Group SoftUni Brands">
             <a:extLst>
               <a:ext uri="{FF2B5EF4-FFF2-40B4-BE49-F238E27FC236}">
-                <a16:creationId xmlns:a16="http://schemas.microsoft.com/office/drawing/2014/main" xmlns="" id="{418FAE34-C1F8-46C7-A4AE-F270D1E70F25}"/>
+                <a16:creationId xmlns:a16="http://schemas.microsoft.com/office/drawing/2014/main" id="{418FAE34-C1F8-46C7-A4AE-F270D1E70F25}"/>
               </a:ext>
             </a:extLst>
           </p:cNvPr>
@@ -3857,7 +3857,7 @@
             <p:cNvPr id="24" name="Picture SoftUni Kids Logo" descr="SoftUni Kids logo">
               <a:extLst>
                 <a:ext uri="{FF2B5EF4-FFF2-40B4-BE49-F238E27FC236}">
-                  <a16:creationId xmlns:a16="http://schemas.microsoft.com/office/drawing/2014/main" xmlns="" id="{B0812936-74B6-4265-8C08-AEDC8C798702}"/>
+                  <a16:creationId xmlns:a16="http://schemas.microsoft.com/office/drawing/2014/main" id="{B0812936-74B6-4265-8C08-AEDC8C798702}"/>
                 </a:ext>
               </a:extLst>
             </p:cNvPr>
@@ -3893,7 +3893,7 @@
             <p:cNvPr id="23" name="Picture SoftUni Foundation Logo" descr="SoftUni Foundation logo">
               <a:extLst>
                 <a:ext uri="{FF2B5EF4-FFF2-40B4-BE49-F238E27FC236}">
-                  <a16:creationId xmlns:a16="http://schemas.microsoft.com/office/drawing/2014/main" xmlns="" id="{6643F71A-2013-433A-8322-FBAAED3162D8}"/>
+                  <a16:creationId xmlns:a16="http://schemas.microsoft.com/office/drawing/2014/main" id="{6643F71A-2013-433A-8322-FBAAED3162D8}"/>
                 </a:ext>
               </a:extLst>
             </p:cNvPr>
@@ -3929,7 +3929,7 @@
             <p:cNvPr id="22" name="Picture SoftUni Digital Logo" descr="SoftUni Digital logo">
               <a:extLst>
                 <a:ext uri="{FF2B5EF4-FFF2-40B4-BE49-F238E27FC236}">
-                  <a16:creationId xmlns:a16="http://schemas.microsoft.com/office/drawing/2014/main" xmlns="" id="{0A83D66F-855B-463B-920B-BF239B01A206}"/>
+                  <a16:creationId xmlns:a16="http://schemas.microsoft.com/office/drawing/2014/main" id="{0A83D66F-855B-463B-920B-BF239B01A206}"/>
                 </a:ext>
               </a:extLst>
             </p:cNvPr>
@@ -3965,7 +3965,7 @@
             <p:cNvPr id="21" name="Picture SoftUni Creative Logo" descr="SoftUni Creative logo">
               <a:extLst>
                 <a:ext uri="{FF2B5EF4-FFF2-40B4-BE49-F238E27FC236}">
-                  <a16:creationId xmlns:a16="http://schemas.microsoft.com/office/drawing/2014/main" xmlns="" id="{EA755AAE-BA08-481C-9224-0061170EE4B8}"/>
+                  <a16:creationId xmlns:a16="http://schemas.microsoft.com/office/drawing/2014/main" id="{EA755AAE-BA08-481C-9224-0061170EE4B8}"/>
                 </a:ext>
               </a:extLst>
             </p:cNvPr>
@@ -4001,7 +4001,7 @@
             <p:cNvPr id="20" name="Picture SoftUni Svetlina Logo" descr="SoftUni Svetlina logo">
               <a:extLst>
                 <a:ext uri="{FF2B5EF4-FFF2-40B4-BE49-F238E27FC236}">
-                  <a16:creationId xmlns:a16="http://schemas.microsoft.com/office/drawing/2014/main" xmlns="" id="{827D15FD-4C66-4B85-98E6-7826AA8F61C6}"/>
+                  <a16:creationId xmlns:a16="http://schemas.microsoft.com/office/drawing/2014/main" id="{827D15FD-4C66-4B85-98E6-7826AA8F61C6}"/>
                 </a:ext>
               </a:extLst>
             </p:cNvPr>
@@ -4037,7 +4037,7 @@
             <p:cNvPr id="25" name="Picture Software University Logo" descr="Software University logo">
               <a:extLst>
                 <a:ext uri="{FF2B5EF4-FFF2-40B4-BE49-F238E27FC236}">
-                  <a16:creationId xmlns:a16="http://schemas.microsoft.com/office/drawing/2014/main" xmlns="" id="{C74C190C-5856-41B9-8819-AE8DE0E10980}"/>
+                  <a16:creationId xmlns:a16="http://schemas.microsoft.com/office/drawing/2014/main" id="{C74C190C-5856-41B9-8819-AE8DE0E10980}"/>
                 </a:ext>
               </a:extLst>
             </p:cNvPr>
@@ -4073,7 +4073,7 @@
             <p:cNvPr id="33" name="Straight Connector 6">
               <a:extLst>
                 <a:ext uri="{FF2B5EF4-FFF2-40B4-BE49-F238E27FC236}">
-                  <a16:creationId xmlns:a16="http://schemas.microsoft.com/office/drawing/2014/main" xmlns="" id="{5C63D1E8-4A92-4691-8A24-A2FC7E8008E5}"/>
+                  <a16:creationId xmlns:a16="http://schemas.microsoft.com/office/drawing/2014/main" id="{5C63D1E8-4A92-4691-8A24-A2FC7E8008E5}"/>
                 </a:ext>
               </a:extLst>
             </p:cNvPr>
@@ -4112,7 +4112,7 @@
             <p:cNvPr id="32" name="Straight Connector 5">
               <a:extLst>
                 <a:ext uri="{FF2B5EF4-FFF2-40B4-BE49-F238E27FC236}">
-                  <a16:creationId xmlns:a16="http://schemas.microsoft.com/office/drawing/2014/main" xmlns="" id="{6E91D320-3732-40B8-864D-142D0A277ED1}"/>
+                  <a16:creationId xmlns:a16="http://schemas.microsoft.com/office/drawing/2014/main" id="{6E91D320-3732-40B8-864D-142D0A277ED1}"/>
                 </a:ext>
               </a:extLst>
             </p:cNvPr>
@@ -4151,7 +4151,7 @@
             <p:cNvPr id="31" name="Straight Connector 4">
               <a:extLst>
                 <a:ext uri="{FF2B5EF4-FFF2-40B4-BE49-F238E27FC236}">
-                  <a16:creationId xmlns:a16="http://schemas.microsoft.com/office/drawing/2014/main" xmlns="" id="{299ABE09-E33C-46B7-A80D-7BF4A6956211}"/>
+                  <a16:creationId xmlns:a16="http://schemas.microsoft.com/office/drawing/2014/main" id="{299ABE09-E33C-46B7-A80D-7BF4A6956211}"/>
                 </a:ext>
               </a:extLst>
             </p:cNvPr>
@@ -4188,7 +4188,7 @@
             <p:cNvPr id="30" name="Straight Connector 3">
               <a:extLst>
                 <a:ext uri="{FF2B5EF4-FFF2-40B4-BE49-F238E27FC236}">
-                  <a16:creationId xmlns:a16="http://schemas.microsoft.com/office/drawing/2014/main" xmlns="" id="{93DDBF37-0764-47AA-94E3-9A44F3ED8FB5}"/>
+                  <a16:creationId xmlns:a16="http://schemas.microsoft.com/office/drawing/2014/main" id="{93DDBF37-0764-47AA-94E3-9A44F3ED8FB5}"/>
                 </a:ext>
               </a:extLst>
             </p:cNvPr>
@@ -4225,7 +4225,7 @@
             <p:cNvPr id="29" name="Straight Connector 2">
               <a:extLst>
                 <a:ext uri="{FF2B5EF4-FFF2-40B4-BE49-F238E27FC236}">
-                  <a16:creationId xmlns:a16="http://schemas.microsoft.com/office/drawing/2014/main" xmlns="" id="{72BFE2F3-0845-4E5B-9375-E9D4027DD675}"/>
+                  <a16:creationId xmlns:a16="http://schemas.microsoft.com/office/drawing/2014/main" id="{72BFE2F3-0845-4E5B-9375-E9D4027DD675}"/>
                 </a:ext>
               </a:extLst>
             </p:cNvPr>
@@ -4262,7 +4262,7 @@
             <p:cNvPr id="28" name="Straight Connector 1">
               <a:extLst>
                 <a:ext uri="{FF2B5EF4-FFF2-40B4-BE49-F238E27FC236}">
-                  <a16:creationId xmlns:a16="http://schemas.microsoft.com/office/drawing/2014/main" xmlns="" id="{D4E5982E-3110-47E1-A5BB-91B7BECC3093}"/>
+                  <a16:creationId xmlns:a16="http://schemas.microsoft.com/office/drawing/2014/main" id="{D4E5982E-3110-47E1-A5BB-91B7BECC3093}"/>
                 </a:ext>
               </a:extLst>
             </p:cNvPr>
@@ -4299,7 +4299,7 @@
             <p:cNvPr id="27" name="Straight Connector Horizontal">
               <a:extLst>
                 <a:ext uri="{FF2B5EF4-FFF2-40B4-BE49-F238E27FC236}">
-                  <a16:creationId xmlns:a16="http://schemas.microsoft.com/office/drawing/2014/main" xmlns="" id="{5F62FB7C-BD6E-4383-98C1-2CF30F34CAFD}"/>
+                  <a16:creationId xmlns:a16="http://schemas.microsoft.com/office/drawing/2014/main" id="{5F62FB7C-BD6E-4383-98C1-2CF30F34CAFD}"/>
                 </a:ext>
               </a:extLst>
             </p:cNvPr>
@@ -4338,7 +4338,7 @@
             <p:cNvPr id="34" name="Straight Connector 0">
               <a:extLst>
                 <a:ext uri="{FF2B5EF4-FFF2-40B4-BE49-F238E27FC236}">
-                  <a16:creationId xmlns:a16="http://schemas.microsoft.com/office/drawing/2014/main" xmlns="" id="{C84A0FE1-723D-4682-8682-77BAD950EE15}"/>
+                  <a16:creationId xmlns:a16="http://schemas.microsoft.com/office/drawing/2014/main" id="{C84A0FE1-723D-4682-8682-77BAD950EE15}"/>
                 </a:ext>
               </a:extLst>
             </p:cNvPr>
@@ -4375,7 +4375,7 @@
             <p:cNvPr id="18" name="Picture SoftUni Logo" descr="SoftUni logo">
               <a:extLst>
                 <a:ext uri="{FF2B5EF4-FFF2-40B4-BE49-F238E27FC236}">
-                  <a16:creationId xmlns:a16="http://schemas.microsoft.com/office/drawing/2014/main" xmlns="" id="{A0675455-B7FA-4569-A5FD-A3B0F20B2A26}"/>
+                  <a16:creationId xmlns:a16="http://schemas.microsoft.com/office/drawing/2014/main" id="{A0675455-B7FA-4569-A5FD-A3B0F20B2A26}"/>
                 </a:ext>
               </a:extLst>
             </p:cNvPr>
@@ -4412,7 +4412,7 @@
           <p:cNvPr id="19" name="Slide Title">
             <a:extLst>
               <a:ext uri="{FF2B5EF4-FFF2-40B4-BE49-F238E27FC236}">
-                <a16:creationId xmlns:a16="http://schemas.microsoft.com/office/drawing/2014/main" xmlns="" id="{7CFDBB16-985C-4CC7-B6DB-B81B36037922}"/>
+                <a16:creationId xmlns:a16="http://schemas.microsoft.com/office/drawing/2014/main" id="{7CFDBB16-985C-4CC7-B6DB-B81B36037922}"/>
               </a:ext>
             </a:extLst>
           </p:cNvPr>
@@ -4515,7 +4515,7 @@
           <p:cNvPr id="36" name="Logo Software University" descr="Software University logo">
             <a:extLst>
               <a:ext uri="{FF2B5EF4-FFF2-40B4-BE49-F238E27FC236}">
-                <a16:creationId xmlns:a16="http://schemas.microsoft.com/office/drawing/2014/main" xmlns="" id="{67FC4D2E-913D-432A-B658-F0D82839FA5E}"/>
+                <a16:creationId xmlns:a16="http://schemas.microsoft.com/office/drawing/2014/main" id="{67FC4D2E-913D-432A-B658-F0D82839FA5E}"/>
               </a:ext>
             </a:extLst>
           </p:cNvPr>
@@ -4615,7 +4615,7 @@
           <p:cNvPr id="13" name="Slide Number">
             <a:extLst>
               <a:ext uri="{FF2B5EF4-FFF2-40B4-BE49-F238E27FC236}">
-                <a16:creationId xmlns:a16="http://schemas.microsoft.com/office/drawing/2014/main" xmlns="" id="{5B8761D8-B42F-4A70-A0CE-682CEB2AE31B}"/>
+                <a16:creationId xmlns:a16="http://schemas.microsoft.com/office/drawing/2014/main" id="{5B8761D8-B42F-4A70-A0CE-682CEB2AE31B}"/>
               </a:ext>
             </a:extLst>
           </p:cNvPr>
@@ -4658,7 +4658,7 @@
             <a:hlinkClick r:id="rId2" tooltip="Software University Discussion Forum"/>
             <a:extLst>
               <a:ext uri="{FF2B5EF4-FFF2-40B4-BE49-F238E27FC236}">
-                <a16:creationId xmlns:a16="http://schemas.microsoft.com/office/drawing/2014/main" xmlns="" id="{98C579AD-FAF5-4B28-9B52-5457F1E90061}"/>
+                <a16:creationId xmlns:a16="http://schemas.microsoft.com/office/drawing/2014/main" id="{98C579AD-FAF5-4B28-9B52-5457F1E90061}"/>
               </a:ext>
             </a:extLst>
           </p:cNvPr>
@@ -4695,7 +4695,7 @@
             <a:hlinkClick r:id="rId4" tooltip="Software University @ Facebook"/>
             <a:extLst>
               <a:ext uri="{FF2B5EF4-FFF2-40B4-BE49-F238E27FC236}">
-                <a16:creationId xmlns:a16="http://schemas.microsoft.com/office/drawing/2014/main" xmlns="" id="{6B2C510E-5EF2-49F6-B926-2BD74CD3C7F8}"/>
+                <a16:creationId xmlns:a16="http://schemas.microsoft.com/office/drawing/2014/main" id="{6B2C510E-5EF2-49F6-B926-2BD74CD3C7F8}"/>
               </a:ext>
             </a:extLst>
           </p:cNvPr>
@@ -4741,7 +4741,7 @@
             <a:hlinkClick r:id="rId6"/>
             <a:extLst>
               <a:ext uri="{FF2B5EF4-FFF2-40B4-BE49-F238E27FC236}">
-                <a16:creationId xmlns:a16="http://schemas.microsoft.com/office/drawing/2014/main" xmlns="" id="{F4604840-E810-44B7-9FF1-3B28CD68B758}"/>
+                <a16:creationId xmlns:a16="http://schemas.microsoft.com/office/drawing/2014/main" id="{F4604840-E810-44B7-9FF1-3B28CD68B758}"/>
               </a:ext>
             </a:extLst>
           </p:cNvPr>
@@ -4778,7 +4778,7 @@
             <a:hlinkClick r:id="rId8"/>
             <a:extLst>
               <a:ext uri="{FF2B5EF4-FFF2-40B4-BE49-F238E27FC236}">
-                <a16:creationId xmlns:a16="http://schemas.microsoft.com/office/drawing/2014/main" xmlns="" id="{07C965FA-A87E-4824-AFA8-C67AF548A76A}"/>
+                <a16:creationId xmlns:a16="http://schemas.microsoft.com/office/drawing/2014/main" id="{07C965FA-A87E-4824-AFA8-C67AF548A76A}"/>
               </a:ext>
             </a:extLst>
           </p:cNvPr>
@@ -4813,7 +4813,7 @@
           <p:cNvPr id="12" name="Slide Body Text">
             <a:extLst>
               <a:ext uri="{FF2B5EF4-FFF2-40B4-BE49-F238E27FC236}">
-                <a16:creationId xmlns:a16="http://schemas.microsoft.com/office/drawing/2014/main" xmlns="" id="{0C1F9416-8B6E-46DE-973C-777785E27A26}"/>
+                <a16:creationId xmlns:a16="http://schemas.microsoft.com/office/drawing/2014/main" id="{0C1F9416-8B6E-46DE-973C-777785E27A26}"/>
               </a:ext>
             </a:extLst>
           </p:cNvPr>
@@ -4941,7 +4941,7 @@
           <p:cNvPr id="10" name="Rectangle Top">
             <a:extLst>
               <a:ext uri="{FF2B5EF4-FFF2-40B4-BE49-F238E27FC236}">
-                <a16:creationId xmlns:a16="http://schemas.microsoft.com/office/drawing/2014/main" xmlns="" id="{86646B95-5E3B-4DE8-9118-031C2C296D8C}"/>
+                <a16:creationId xmlns:a16="http://schemas.microsoft.com/office/drawing/2014/main" id="{86646B95-5E3B-4DE8-9118-031C2C296D8C}"/>
               </a:ext>
             </a:extLst>
           </p:cNvPr>
@@ -5022,7 +5022,7 @@
           <p:cNvPr id="11" name="Logo Software University" descr="Software University logo">
             <a:extLst>
               <a:ext uri="{FF2B5EF4-FFF2-40B4-BE49-F238E27FC236}">
-                <a16:creationId xmlns:a16="http://schemas.microsoft.com/office/drawing/2014/main" xmlns="" id="{58AB1944-B146-4E89-B2D9-426EB610F319}"/>
+                <a16:creationId xmlns:a16="http://schemas.microsoft.com/office/drawing/2014/main" id="{58AB1944-B146-4E89-B2D9-426EB610F319}"/>
               </a:ext>
             </a:extLst>
           </p:cNvPr>
@@ -5058,7 +5058,7 @@
           <p:cNvPr id="18" name="Slide Title">
             <a:extLst>
               <a:ext uri="{FF2B5EF4-FFF2-40B4-BE49-F238E27FC236}">
-                <a16:creationId xmlns:a16="http://schemas.microsoft.com/office/drawing/2014/main" xmlns="" id="{AE87ED9C-76E1-4D85-9B06-3AF44AABB668}"/>
+                <a16:creationId xmlns:a16="http://schemas.microsoft.com/office/drawing/2014/main" id="{AE87ED9C-76E1-4D85-9B06-3AF44AABB668}"/>
               </a:ext>
             </a:extLst>
           </p:cNvPr>
@@ -5341,7 +5341,7 @@
           <p:cNvPr id="7" name="Slide Number">
             <a:extLst>
               <a:ext uri="{FF2B5EF4-FFF2-40B4-BE49-F238E27FC236}">
-                <a16:creationId xmlns:a16="http://schemas.microsoft.com/office/drawing/2014/main" xmlns="" id="{C1780DB1-0AF0-4108-AFE1-9DA99F0DBCB8}"/>
+                <a16:creationId xmlns:a16="http://schemas.microsoft.com/office/drawing/2014/main" id="{C1780DB1-0AF0-4108-AFE1-9DA99F0DBCB8}"/>
               </a:ext>
             </a:extLst>
           </p:cNvPr>
@@ -5383,7 +5383,7 @@
           <p:cNvPr id="3" name="Slide Body Text">
             <a:extLst>
               <a:ext uri="{FF2B5EF4-FFF2-40B4-BE49-F238E27FC236}">
-                <a16:creationId xmlns:a16="http://schemas.microsoft.com/office/drawing/2014/main" xmlns="" id="{5A9D2960-6D42-439F-82E8-812822013A10}"/>
+                <a16:creationId xmlns:a16="http://schemas.microsoft.com/office/drawing/2014/main" id="{5A9D2960-6D42-439F-82E8-812822013A10}"/>
               </a:ext>
             </a:extLst>
           </p:cNvPr>
@@ -5461,7 +5461,7 @@
           <p:cNvPr id="13" name="Rectangle Top">
             <a:extLst>
               <a:ext uri="{FF2B5EF4-FFF2-40B4-BE49-F238E27FC236}">
-                <a16:creationId xmlns:a16="http://schemas.microsoft.com/office/drawing/2014/main" xmlns="" id="{391AFA4E-7870-4561-A1B8-AC956B0C8931}"/>
+                <a16:creationId xmlns:a16="http://schemas.microsoft.com/office/drawing/2014/main" id="{391AFA4E-7870-4561-A1B8-AC956B0C8931}"/>
               </a:ext>
             </a:extLst>
           </p:cNvPr>
@@ -5542,7 +5542,7 @@
           <p:cNvPr id="12" name="Logo Software University" descr="Software University logo">
             <a:extLst>
               <a:ext uri="{FF2B5EF4-FFF2-40B4-BE49-F238E27FC236}">
-                <a16:creationId xmlns:a16="http://schemas.microsoft.com/office/drawing/2014/main" xmlns="" id="{B1D3B425-B9BF-43ED-9DEC-C05002FBA22F}"/>
+                <a16:creationId xmlns:a16="http://schemas.microsoft.com/office/drawing/2014/main" id="{B1D3B425-B9BF-43ED-9DEC-C05002FBA22F}"/>
               </a:ext>
             </a:extLst>
           </p:cNvPr>
@@ -5578,7 +5578,7 @@
           <p:cNvPr id="6" name="Slide Title">
             <a:extLst>
               <a:ext uri="{FF2B5EF4-FFF2-40B4-BE49-F238E27FC236}">
-                <a16:creationId xmlns:a16="http://schemas.microsoft.com/office/drawing/2014/main" xmlns="" id="{19B5B676-7892-440F-8191-7109B2C59885}"/>
+                <a16:creationId xmlns:a16="http://schemas.microsoft.com/office/drawing/2014/main" id="{19B5B676-7892-440F-8191-7109B2C59885}"/>
               </a:ext>
             </a:extLst>
           </p:cNvPr>
@@ -5657,7 +5657,7 @@
           <p:cNvPr id="9" name="Slide Number">
             <a:extLst>
               <a:ext uri="{FF2B5EF4-FFF2-40B4-BE49-F238E27FC236}">
-                <a16:creationId xmlns:a16="http://schemas.microsoft.com/office/drawing/2014/main" xmlns="" id="{0020EB61-2079-41A3-B356-B1D8D48D786E}"/>
+                <a16:creationId xmlns:a16="http://schemas.microsoft.com/office/drawing/2014/main" id="{0020EB61-2079-41A3-B356-B1D8D48D786E}"/>
               </a:ext>
             </a:extLst>
           </p:cNvPr>
@@ -5774,7 +5774,7 @@
           <p:cNvPr id="7" name="Slide Body Text">
             <a:extLst>
               <a:ext uri="{FF2B5EF4-FFF2-40B4-BE49-F238E27FC236}">
-                <a16:creationId xmlns:a16="http://schemas.microsoft.com/office/drawing/2014/main" xmlns="" id="{CB4CB13C-66A1-466B-A6C1-B0BABF5CFEC1}"/>
+                <a16:creationId xmlns:a16="http://schemas.microsoft.com/office/drawing/2014/main" id="{CB4CB13C-66A1-466B-A6C1-B0BABF5CFEC1}"/>
               </a:ext>
             </a:extLst>
           </p:cNvPr>
@@ -5872,7 +5872,7 @@
           <p:cNvPr id="3" name="Logo Software University" descr="Software University logo">
             <a:extLst>
               <a:ext uri="{FF2B5EF4-FFF2-40B4-BE49-F238E27FC236}">
-                <a16:creationId xmlns:a16="http://schemas.microsoft.com/office/drawing/2014/main" xmlns="" id="{5573C101-930B-47AC-967A-A64513DFFDEE}"/>
+                <a16:creationId xmlns:a16="http://schemas.microsoft.com/office/drawing/2014/main" id="{5573C101-930B-47AC-967A-A64513DFFDEE}"/>
               </a:ext>
             </a:extLst>
           </p:cNvPr>
@@ -5918,7 +5918,7 @@
           <p:cNvPr id="8" name="Slide Title">
             <a:extLst>
               <a:ext uri="{FF2B5EF4-FFF2-40B4-BE49-F238E27FC236}">
-                <a16:creationId xmlns:a16="http://schemas.microsoft.com/office/drawing/2014/main" xmlns="" id="{E2DA9691-CDF5-499C-94BB-AAA61DAC1BFB}"/>
+                <a16:creationId xmlns:a16="http://schemas.microsoft.com/office/drawing/2014/main" id="{E2DA9691-CDF5-499C-94BB-AAA61DAC1BFB}"/>
               </a:ext>
             </a:extLst>
           </p:cNvPr>
@@ -5955,7 +5955,7 @@
           <p:cNvPr id="10" name="Group 9">
             <a:extLst>
               <a:ext uri="{FF2B5EF4-FFF2-40B4-BE49-F238E27FC236}">
-                <a16:creationId xmlns:a16="http://schemas.microsoft.com/office/drawing/2014/main" xmlns="" id="{43CDBCC2-1C96-44BC-B992-7B0C49C34904}"/>
+                <a16:creationId xmlns:a16="http://schemas.microsoft.com/office/drawing/2014/main" id="{43CDBCC2-1C96-44BC-B992-7B0C49C34904}"/>
               </a:ext>
             </a:extLst>
           </p:cNvPr>
@@ -5975,7 +5975,7 @@
             <p:cNvPr id="11" name="Group 10">
               <a:extLst>
                 <a:ext uri="{FF2B5EF4-FFF2-40B4-BE49-F238E27FC236}">
-                  <a16:creationId xmlns:a16="http://schemas.microsoft.com/office/drawing/2014/main" xmlns="" id="{7D71B3A8-4D39-42CF-9255-81EA3A622DD6}"/>
+                  <a16:creationId xmlns:a16="http://schemas.microsoft.com/office/drawing/2014/main" id="{7D71B3A8-4D39-42CF-9255-81EA3A622DD6}"/>
                 </a:ext>
               </a:extLst>
             </p:cNvPr>
@@ -5995,7 +5995,7 @@
               <p:cNvPr id="25" name="Oval 24">
                 <a:extLst>
                   <a:ext uri="{FF2B5EF4-FFF2-40B4-BE49-F238E27FC236}">
-                    <a16:creationId xmlns:a16="http://schemas.microsoft.com/office/drawing/2014/main" xmlns="" id="{B98059F9-1874-426D-8AF7-A12C21F37DD9}"/>
+                    <a16:creationId xmlns:a16="http://schemas.microsoft.com/office/drawing/2014/main" id="{B98059F9-1874-426D-8AF7-A12C21F37DD9}"/>
                   </a:ext>
                 </a:extLst>
               </p:cNvPr>
@@ -6047,7 +6047,7 @@
               <p:cNvPr id="26" name="Rectangle 5">
                 <a:extLst>
                   <a:ext uri="{FF2B5EF4-FFF2-40B4-BE49-F238E27FC236}">
-                    <a16:creationId xmlns:a16="http://schemas.microsoft.com/office/drawing/2014/main" xmlns="" id="{A3A1E077-DBDF-48F0-A924-604984B940A2}"/>
+                    <a16:creationId xmlns:a16="http://schemas.microsoft.com/office/drawing/2014/main" id="{A3A1E077-DBDF-48F0-A924-604984B940A2}"/>
                   </a:ext>
                 </a:extLst>
               </p:cNvPr>
@@ -6192,7 +6192,7 @@
               <p:cNvPr id="27" name="Rectangle 5">
                 <a:extLst>
                   <a:ext uri="{FF2B5EF4-FFF2-40B4-BE49-F238E27FC236}">
-                    <a16:creationId xmlns:a16="http://schemas.microsoft.com/office/drawing/2014/main" xmlns="" id="{798B1F51-1FA4-4199-81C7-62356C936CC9}"/>
+                    <a16:creationId xmlns:a16="http://schemas.microsoft.com/office/drawing/2014/main" id="{798B1F51-1FA4-4199-81C7-62356C936CC9}"/>
                   </a:ext>
                 </a:extLst>
               </p:cNvPr>
@@ -6337,7 +6337,7 @@
               <p:cNvPr id="28" name="Arc 27">
                 <a:extLst>
                   <a:ext uri="{FF2B5EF4-FFF2-40B4-BE49-F238E27FC236}">
-                    <a16:creationId xmlns:a16="http://schemas.microsoft.com/office/drawing/2014/main" xmlns="" id="{40A224C8-1233-40F7-96AB-BFF79AF6CDCB}"/>
+                    <a16:creationId xmlns:a16="http://schemas.microsoft.com/office/drawing/2014/main" id="{40A224C8-1233-40F7-96AB-BFF79AF6CDCB}"/>
                   </a:ext>
                 </a:extLst>
               </p:cNvPr>
@@ -6396,7 +6396,7 @@
               <p:cNvPr id="29" name="Arc 28">
                 <a:extLst>
                   <a:ext uri="{FF2B5EF4-FFF2-40B4-BE49-F238E27FC236}">
-                    <a16:creationId xmlns:a16="http://schemas.microsoft.com/office/drawing/2014/main" xmlns="" id="{B57C7CCC-E218-4321-8C7B-3F0C5753C7A1}"/>
+                    <a16:creationId xmlns:a16="http://schemas.microsoft.com/office/drawing/2014/main" id="{B57C7CCC-E218-4321-8C7B-3F0C5753C7A1}"/>
                   </a:ext>
                 </a:extLst>
               </p:cNvPr>
@@ -6456,7 +6456,7 @@
             <p:cNvPr id="13" name="Rectangle: Rounded Corners 12">
               <a:extLst>
                 <a:ext uri="{FF2B5EF4-FFF2-40B4-BE49-F238E27FC236}">
-                  <a16:creationId xmlns:a16="http://schemas.microsoft.com/office/drawing/2014/main" xmlns="" id="{6AF309CA-A56C-4ABC-B293-420F4EB1A9B4}"/>
+                  <a16:creationId xmlns:a16="http://schemas.microsoft.com/office/drawing/2014/main" id="{6AF309CA-A56C-4ABC-B293-420F4EB1A9B4}"/>
                 </a:ext>
               </a:extLst>
             </p:cNvPr>
@@ -6510,7 +6510,7 @@
             <p:cNvPr id="14" name="Rectangle: Rounded Corners 13">
               <a:extLst>
                 <a:ext uri="{FF2B5EF4-FFF2-40B4-BE49-F238E27FC236}">
-                  <a16:creationId xmlns:a16="http://schemas.microsoft.com/office/drawing/2014/main" xmlns="" id="{07955808-2AC7-44EB-8B6D-82B974E53A3C}"/>
+                  <a16:creationId xmlns:a16="http://schemas.microsoft.com/office/drawing/2014/main" id="{07955808-2AC7-44EB-8B6D-82B974E53A3C}"/>
                 </a:ext>
               </a:extLst>
             </p:cNvPr>
@@ -6571,7 +6571,7 @@
             <p:cNvPr id="15" name="Straight Connector 14">
               <a:extLst>
                 <a:ext uri="{FF2B5EF4-FFF2-40B4-BE49-F238E27FC236}">
-                  <a16:creationId xmlns:a16="http://schemas.microsoft.com/office/drawing/2014/main" xmlns="" id="{AC6420D7-AEAB-45EF-8D46-11EB06E4AFEA}"/>
+                  <a16:creationId xmlns:a16="http://schemas.microsoft.com/office/drawing/2014/main" id="{AC6420D7-AEAB-45EF-8D46-11EB06E4AFEA}"/>
                 </a:ext>
               </a:extLst>
             </p:cNvPr>
@@ -6617,7 +6617,7 @@
             <p:cNvPr id="16" name="Straight Connector 15">
               <a:extLst>
                 <a:ext uri="{FF2B5EF4-FFF2-40B4-BE49-F238E27FC236}">
-                  <a16:creationId xmlns:a16="http://schemas.microsoft.com/office/drawing/2014/main" xmlns="" id="{76C7FABC-6773-44F6-990B-3EB082BE9B35}"/>
+                  <a16:creationId xmlns:a16="http://schemas.microsoft.com/office/drawing/2014/main" id="{76C7FABC-6773-44F6-990B-3EB082BE9B35}"/>
                 </a:ext>
               </a:extLst>
             </p:cNvPr>
@@ -6663,7 +6663,7 @@
             <p:cNvPr id="17" name="Group 16">
               <a:extLst>
                 <a:ext uri="{FF2B5EF4-FFF2-40B4-BE49-F238E27FC236}">
-                  <a16:creationId xmlns:a16="http://schemas.microsoft.com/office/drawing/2014/main" xmlns="" id="{1FAD48E1-DC45-4B3D-9CE5-613250708496}"/>
+                  <a16:creationId xmlns:a16="http://schemas.microsoft.com/office/drawing/2014/main" id="{1FAD48E1-DC45-4B3D-9CE5-613250708496}"/>
                 </a:ext>
               </a:extLst>
             </p:cNvPr>
@@ -6686,7 +6686,7 @@
               <p:cNvPr id="23" name="Straight Connector 22">
                 <a:extLst>
                   <a:ext uri="{FF2B5EF4-FFF2-40B4-BE49-F238E27FC236}">
-                    <a16:creationId xmlns:a16="http://schemas.microsoft.com/office/drawing/2014/main" xmlns="" id="{B01FD1D1-046F-457B-AB63-2702CE3E906E}"/>
+                    <a16:creationId xmlns:a16="http://schemas.microsoft.com/office/drawing/2014/main" id="{B01FD1D1-046F-457B-AB63-2702CE3E906E}"/>
                   </a:ext>
                 </a:extLst>
               </p:cNvPr>
@@ -6730,7 +6730,7 @@
               <p:cNvPr id="24" name="Straight Connector 23">
                 <a:extLst>
                   <a:ext uri="{FF2B5EF4-FFF2-40B4-BE49-F238E27FC236}">
-                    <a16:creationId xmlns:a16="http://schemas.microsoft.com/office/drawing/2014/main" xmlns="" id="{895660C3-C72C-43EE-9C4A-170F85E5BE08}"/>
+                    <a16:creationId xmlns:a16="http://schemas.microsoft.com/office/drawing/2014/main" id="{895660C3-C72C-43EE-9C4A-170F85E5BE08}"/>
                   </a:ext>
                 </a:extLst>
               </p:cNvPr>
@@ -6775,7 +6775,7 @@
             <p:cNvPr id="19" name="Straight Connector 18">
               <a:extLst>
                 <a:ext uri="{FF2B5EF4-FFF2-40B4-BE49-F238E27FC236}">
-                  <a16:creationId xmlns:a16="http://schemas.microsoft.com/office/drawing/2014/main" xmlns="" id="{A74EE503-8FC0-42A6-8860-CA4EE42272E4}"/>
+                  <a16:creationId xmlns:a16="http://schemas.microsoft.com/office/drawing/2014/main" id="{A74EE503-8FC0-42A6-8860-CA4EE42272E4}"/>
                 </a:ext>
               </a:extLst>
             </p:cNvPr>
@@ -6821,7 +6821,7 @@
             <p:cNvPr id="12" name="Rectangle: Rounded Corners 11">
               <a:extLst>
                 <a:ext uri="{FF2B5EF4-FFF2-40B4-BE49-F238E27FC236}">
-                  <a16:creationId xmlns:a16="http://schemas.microsoft.com/office/drawing/2014/main" xmlns="" id="{F4189FDA-9FE8-490B-8A70-2E941811021F}"/>
+                  <a16:creationId xmlns:a16="http://schemas.microsoft.com/office/drawing/2014/main" id="{F4189FDA-9FE8-490B-8A70-2E941811021F}"/>
                 </a:ext>
               </a:extLst>
             </p:cNvPr>
@@ -6875,7 +6875,7 @@
             <p:cNvPr id="18" name="Group 17">
               <a:extLst>
                 <a:ext uri="{FF2B5EF4-FFF2-40B4-BE49-F238E27FC236}">
-                  <a16:creationId xmlns:a16="http://schemas.microsoft.com/office/drawing/2014/main" xmlns="" id="{FDA3EFCD-0DF8-419D-8533-D781521E597E}"/>
+                  <a16:creationId xmlns:a16="http://schemas.microsoft.com/office/drawing/2014/main" id="{FDA3EFCD-0DF8-419D-8533-D781521E597E}"/>
                 </a:ext>
               </a:extLst>
             </p:cNvPr>
@@ -6898,7 +6898,7 @@
               <p:cNvPr id="21" name="Straight Connector 20">
                 <a:extLst>
                   <a:ext uri="{FF2B5EF4-FFF2-40B4-BE49-F238E27FC236}">
-                    <a16:creationId xmlns:a16="http://schemas.microsoft.com/office/drawing/2014/main" xmlns="" id="{C3CC6A5A-182E-4A09-9C04-EB191881D789}"/>
+                    <a16:creationId xmlns:a16="http://schemas.microsoft.com/office/drawing/2014/main" id="{C3CC6A5A-182E-4A09-9C04-EB191881D789}"/>
                   </a:ext>
                 </a:extLst>
               </p:cNvPr>
@@ -6942,7 +6942,7 @@
               <p:cNvPr id="22" name="Straight Connector 21">
                 <a:extLst>
                   <a:ext uri="{FF2B5EF4-FFF2-40B4-BE49-F238E27FC236}">
-                    <a16:creationId xmlns:a16="http://schemas.microsoft.com/office/drawing/2014/main" xmlns="" id="{440C8953-0555-48CC-8255-78F17E053EE7}"/>
+                    <a16:creationId xmlns:a16="http://schemas.microsoft.com/office/drawing/2014/main" id="{440C8953-0555-48CC-8255-78F17E053EE7}"/>
                   </a:ext>
                 </a:extLst>
               </p:cNvPr>
@@ -6988,7 +6988,7 @@
           <p:cNvPr id="34" name="Straight Connector 33">
             <a:extLst>
               <a:ext uri="{FF2B5EF4-FFF2-40B4-BE49-F238E27FC236}">
-                <a16:creationId xmlns:a16="http://schemas.microsoft.com/office/drawing/2014/main" xmlns="" id="{29B538CA-8CCB-43FB-B5E5-5FC04EBC1F54}"/>
+                <a16:creationId xmlns:a16="http://schemas.microsoft.com/office/drawing/2014/main" id="{29B538CA-8CCB-43FB-B5E5-5FC04EBC1F54}"/>
               </a:ext>
             </a:extLst>
           </p:cNvPr>
@@ -7073,7 +7073,7 @@
           <p:cNvPr id="9" name="Slide Number">
             <a:extLst>
               <a:ext uri="{FF2B5EF4-FFF2-40B4-BE49-F238E27FC236}">
-                <a16:creationId xmlns:a16="http://schemas.microsoft.com/office/drawing/2014/main" xmlns="" id="{1865BF6B-7F07-4E9C-879F-80E36EEB3405}"/>
+                <a16:creationId xmlns:a16="http://schemas.microsoft.com/office/drawing/2014/main" id="{1865BF6B-7F07-4E9C-879F-80E36EEB3405}"/>
               </a:ext>
             </a:extLst>
           </p:cNvPr>
@@ -7115,7 +7115,7 @@
           <p:cNvPr id="12" name="Rectangle Left">
             <a:extLst>
               <a:ext uri="{FF2B5EF4-FFF2-40B4-BE49-F238E27FC236}">
-                <a16:creationId xmlns:a16="http://schemas.microsoft.com/office/drawing/2014/main" xmlns="" id="{345FB1C8-7F66-4D5C-ACCE-AE919936BCFD}"/>
+                <a16:creationId xmlns:a16="http://schemas.microsoft.com/office/drawing/2014/main" id="{345FB1C8-7F66-4D5C-ACCE-AE919936BCFD}"/>
               </a:ext>
             </a:extLst>
           </p:cNvPr>
@@ -7196,7 +7196,7 @@
           <p:cNvPr id="15" name="Slide Body Text">
             <a:extLst>
               <a:ext uri="{FF2B5EF4-FFF2-40B4-BE49-F238E27FC236}">
-                <a16:creationId xmlns:a16="http://schemas.microsoft.com/office/drawing/2014/main" xmlns="" id="{6157C8DE-E0AF-422B-BBB1-F0AF1264B5E9}"/>
+                <a16:creationId xmlns:a16="http://schemas.microsoft.com/office/drawing/2014/main" id="{6157C8DE-E0AF-422B-BBB1-F0AF1264B5E9}"/>
               </a:ext>
             </a:extLst>
           </p:cNvPr>
@@ -7294,7 +7294,7 @@
           <p:cNvPr id="16" name="Logo Software University" descr="Software University logo">
             <a:extLst>
               <a:ext uri="{FF2B5EF4-FFF2-40B4-BE49-F238E27FC236}">
-                <a16:creationId xmlns:a16="http://schemas.microsoft.com/office/drawing/2014/main" xmlns="" id="{EFEBB553-EACE-4B4F-8B4F-7629FDD910A4}"/>
+                <a16:creationId xmlns:a16="http://schemas.microsoft.com/office/drawing/2014/main" id="{EFEBB553-EACE-4B4F-8B4F-7629FDD910A4}"/>
               </a:ext>
             </a:extLst>
           </p:cNvPr>
@@ -7340,7 +7340,7 @@
           <p:cNvPr id="13" name="Slide Title">
             <a:extLst>
               <a:ext uri="{FF2B5EF4-FFF2-40B4-BE49-F238E27FC236}">
-                <a16:creationId xmlns:a16="http://schemas.microsoft.com/office/drawing/2014/main" xmlns="" id="{0D5CC956-5C4A-44BE-8F8B-327FAFA51E97}"/>
+                <a16:creationId xmlns:a16="http://schemas.microsoft.com/office/drawing/2014/main" id="{0D5CC956-5C4A-44BE-8F8B-327FAFA51E97}"/>
               </a:ext>
             </a:extLst>
           </p:cNvPr>
@@ -7377,7 +7377,7 @@
           <p:cNvPr id="33" name="Group 32">
             <a:extLst>
               <a:ext uri="{FF2B5EF4-FFF2-40B4-BE49-F238E27FC236}">
-                <a16:creationId xmlns:a16="http://schemas.microsoft.com/office/drawing/2014/main" xmlns="" id="{7CF60135-47AA-48F0-96BA-0E795668ABDB}"/>
+                <a16:creationId xmlns:a16="http://schemas.microsoft.com/office/drawing/2014/main" id="{7CF60135-47AA-48F0-96BA-0E795668ABDB}"/>
               </a:ext>
             </a:extLst>
           </p:cNvPr>
@@ -7397,7 +7397,7 @@
             <p:cNvPr id="34" name="Group 33">
               <a:extLst>
                 <a:ext uri="{FF2B5EF4-FFF2-40B4-BE49-F238E27FC236}">
-                  <a16:creationId xmlns:a16="http://schemas.microsoft.com/office/drawing/2014/main" xmlns="" id="{2823380E-3936-41AF-BDF7-DA54D75BBF6B}"/>
+                  <a16:creationId xmlns:a16="http://schemas.microsoft.com/office/drawing/2014/main" id="{2823380E-3936-41AF-BDF7-DA54D75BBF6B}"/>
                 </a:ext>
               </a:extLst>
             </p:cNvPr>
@@ -7417,7 +7417,7 @@
               <p:cNvPr id="47" name="Oval 46">
                 <a:extLst>
                   <a:ext uri="{FF2B5EF4-FFF2-40B4-BE49-F238E27FC236}">
-                    <a16:creationId xmlns:a16="http://schemas.microsoft.com/office/drawing/2014/main" xmlns="" id="{52B047D9-D8DD-45C7-9BC8-6D4F682F5182}"/>
+                    <a16:creationId xmlns:a16="http://schemas.microsoft.com/office/drawing/2014/main" id="{52B047D9-D8DD-45C7-9BC8-6D4F682F5182}"/>
                   </a:ext>
                 </a:extLst>
               </p:cNvPr>
@@ -7469,7 +7469,7 @@
               <p:cNvPr id="48" name="Rectangle 5">
                 <a:extLst>
                   <a:ext uri="{FF2B5EF4-FFF2-40B4-BE49-F238E27FC236}">
-                    <a16:creationId xmlns:a16="http://schemas.microsoft.com/office/drawing/2014/main" xmlns="" id="{4D84FE51-BD8E-47EA-9463-CE02FEA31766}"/>
+                    <a16:creationId xmlns:a16="http://schemas.microsoft.com/office/drawing/2014/main" id="{4D84FE51-BD8E-47EA-9463-CE02FEA31766}"/>
                   </a:ext>
                 </a:extLst>
               </p:cNvPr>
@@ -7614,7 +7614,7 @@
               <p:cNvPr id="49" name="Rectangle 5">
                 <a:extLst>
                   <a:ext uri="{FF2B5EF4-FFF2-40B4-BE49-F238E27FC236}">
-                    <a16:creationId xmlns:a16="http://schemas.microsoft.com/office/drawing/2014/main" xmlns="" id="{F5C8F037-C197-4219-AC87-3A81763512BC}"/>
+                    <a16:creationId xmlns:a16="http://schemas.microsoft.com/office/drawing/2014/main" id="{F5C8F037-C197-4219-AC87-3A81763512BC}"/>
                   </a:ext>
                 </a:extLst>
               </p:cNvPr>
@@ -7759,7 +7759,7 @@
               <p:cNvPr id="50" name="Arc 49">
                 <a:extLst>
                   <a:ext uri="{FF2B5EF4-FFF2-40B4-BE49-F238E27FC236}">
-                    <a16:creationId xmlns:a16="http://schemas.microsoft.com/office/drawing/2014/main" xmlns="" id="{786EE401-CF8E-439B-94A0-EE6F3A7D5798}"/>
+                    <a16:creationId xmlns:a16="http://schemas.microsoft.com/office/drawing/2014/main" id="{786EE401-CF8E-439B-94A0-EE6F3A7D5798}"/>
                   </a:ext>
                 </a:extLst>
               </p:cNvPr>
@@ -7818,7 +7818,7 @@
               <p:cNvPr id="51" name="Arc 50">
                 <a:extLst>
                   <a:ext uri="{FF2B5EF4-FFF2-40B4-BE49-F238E27FC236}">
-                    <a16:creationId xmlns:a16="http://schemas.microsoft.com/office/drawing/2014/main" xmlns="" id="{8D9ACD38-B3EB-4A63-9730-CBF0501BF235}"/>
+                    <a16:creationId xmlns:a16="http://schemas.microsoft.com/office/drawing/2014/main" id="{8D9ACD38-B3EB-4A63-9730-CBF0501BF235}"/>
                   </a:ext>
                 </a:extLst>
               </p:cNvPr>
@@ -7878,7 +7878,7 @@
             <p:cNvPr id="35" name="Rectangle: Rounded Corners 34">
               <a:extLst>
                 <a:ext uri="{FF2B5EF4-FFF2-40B4-BE49-F238E27FC236}">
-                  <a16:creationId xmlns:a16="http://schemas.microsoft.com/office/drawing/2014/main" xmlns="" id="{64EE493E-A353-4C75-A3B9-D48ABA2C57CC}"/>
+                  <a16:creationId xmlns:a16="http://schemas.microsoft.com/office/drawing/2014/main" id="{64EE493E-A353-4C75-A3B9-D48ABA2C57CC}"/>
                 </a:ext>
               </a:extLst>
             </p:cNvPr>
@@ -7932,7 +7932,7 @@
             <p:cNvPr id="36" name="Rectangle: Rounded Corners 35">
               <a:extLst>
                 <a:ext uri="{FF2B5EF4-FFF2-40B4-BE49-F238E27FC236}">
-                  <a16:creationId xmlns:a16="http://schemas.microsoft.com/office/drawing/2014/main" xmlns="" id="{718408B9-204E-42E3-9E79-33E047E869BC}"/>
+                  <a16:creationId xmlns:a16="http://schemas.microsoft.com/office/drawing/2014/main" id="{718408B9-204E-42E3-9E79-33E047E869BC}"/>
                 </a:ext>
               </a:extLst>
             </p:cNvPr>
@@ -7993,7 +7993,7 @@
             <p:cNvPr id="37" name="Straight Connector 36">
               <a:extLst>
                 <a:ext uri="{FF2B5EF4-FFF2-40B4-BE49-F238E27FC236}">
-                  <a16:creationId xmlns:a16="http://schemas.microsoft.com/office/drawing/2014/main" xmlns="" id="{0AB66D97-DF6F-4CD2-AF13-42B5C852F673}"/>
+                  <a16:creationId xmlns:a16="http://schemas.microsoft.com/office/drawing/2014/main" id="{0AB66D97-DF6F-4CD2-AF13-42B5C852F673}"/>
                 </a:ext>
               </a:extLst>
             </p:cNvPr>
@@ -8039,7 +8039,7 @@
             <p:cNvPr id="38" name="Straight Connector 37">
               <a:extLst>
                 <a:ext uri="{FF2B5EF4-FFF2-40B4-BE49-F238E27FC236}">
-                  <a16:creationId xmlns:a16="http://schemas.microsoft.com/office/drawing/2014/main" xmlns="" id="{F2AFBA69-C196-4703-8AAB-5F72A8EDCEB5}"/>
+                  <a16:creationId xmlns:a16="http://schemas.microsoft.com/office/drawing/2014/main" id="{F2AFBA69-C196-4703-8AAB-5F72A8EDCEB5}"/>
                 </a:ext>
               </a:extLst>
             </p:cNvPr>
@@ -8085,7 +8085,7 @@
             <p:cNvPr id="39" name="Group 38">
               <a:extLst>
                 <a:ext uri="{FF2B5EF4-FFF2-40B4-BE49-F238E27FC236}">
-                  <a16:creationId xmlns:a16="http://schemas.microsoft.com/office/drawing/2014/main" xmlns="" id="{9AFC66C1-0C1C-4332-9C4E-782574C896B8}"/>
+                  <a16:creationId xmlns:a16="http://schemas.microsoft.com/office/drawing/2014/main" id="{9AFC66C1-0C1C-4332-9C4E-782574C896B8}"/>
                 </a:ext>
               </a:extLst>
             </p:cNvPr>
@@ -8108,7 +8108,7 @@
               <p:cNvPr id="45" name="Straight Connector 44">
                 <a:extLst>
                   <a:ext uri="{FF2B5EF4-FFF2-40B4-BE49-F238E27FC236}">
-                    <a16:creationId xmlns:a16="http://schemas.microsoft.com/office/drawing/2014/main" xmlns="" id="{872CA8AD-EAF6-40BE-9DDE-ECDB4A980CA5}"/>
+                    <a16:creationId xmlns:a16="http://schemas.microsoft.com/office/drawing/2014/main" id="{872CA8AD-EAF6-40BE-9DDE-ECDB4A980CA5}"/>
                   </a:ext>
                 </a:extLst>
               </p:cNvPr>
@@ -8152,7 +8152,7 @@
               <p:cNvPr id="46" name="Straight Connector 45">
                 <a:extLst>
                   <a:ext uri="{FF2B5EF4-FFF2-40B4-BE49-F238E27FC236}">
-                    <a16:creationId xmlns:a16="http://schemas.microsoft.com/office/drawing/2014/main" xmlns="" id="{57DD3EC7-1A13-4AFE-BD6F-DA12C281FAFB}"/>
+                    <a16:creationId xmlns:a16="http://schemas.microsoft.com/office/drawing/2014/main" id="{57DD3EC7-1A13-4AFE-BD6F-DA12C281FAFB}"/>
                   </a:ext>
                 </a:extLst>
               </p:cNvPr>
@@ -8197,7 +8197,7 @@
             <p:cNvPr id="40" name="Straight Connector 39">
               <a:extLst>
                 <a:ext uri="{FF2B5EF4-FFF2-40B4-BE49-F238E27FC236}">
-                  <a16:creationId xmlns:a16="http://schemas.microsoft.com/office/drawing/2014/main" xmlns="" id="{E46151FA-19E9-4E84-A082-EDAC6F76EA9D}"/>
+                  <a16:creationId xmlns:a16="http://schemas.microsoft.com/office/drawing/2014/main" id="{E46151FA-19E9-4E84-A082-EDAC6F76EA9D}"/>
                 </a:ext>
               </a:extLst>
             </p:cNvPr>
@@ -8243,7 +8243,7 @@
             <p:cNvPr id="41" name="Rectangle: Rounded Corners 40">
               <a:extLst>
                 <a:ext uri="{FF2B5EF4-FFF2-40B4-BE49-F238E27FC236}">
-                  <a16:creationId xmlns:a16="http://schemas.microsoft.com/office/drawing/2014/main" xmlns="" id="{3423EEF0-5B70-4091-B2DA-0740D2609643}"/>
+                  <a16:creationId xmlns:a16="http://schemas.microsoft.com/office/drawing/2014/main" id="{3423EEF0-5B70-4091-B2DA-0740D2609643}"/>
                 </a:ext>
               </a:extLst>
             </p:cNvPr>
@@ -8297,7 +8297,7 @@
             <p:cNvPr id="42" name="Group 41">
               <a:extLst>
                 <a:ext uri="{FF2B5EF4-FFF2-40B4-BE49-F238E27FC236}">
-                  <a16:creationId xmlns:a16="http://schemas.microsoft.com/office/drawing/2014/main" xmlns="" id="{49A8AAA7-98E7-4224-B027-830FFCC285A3}"/>
+                  <a16:creationId xmlns:a16="http://schemas.microsoft.com/office/drawing/2014/main" id="{49A8AAA7-98E7-4224-B027-830FFCC285A3}"/>
                 </a:ext>
               </a:extLst>
             </p:cNvPr>
@@ -8320,7 +8320,7 @@
               <p:cNvPr id="43" name="Straight Connector 42">
                 <a:extLst>
                   <a:ext uri="{FF2B5EF4-FFF2-40B4-BE49-F238E27FC236}">
-                    <a16:creationId xmlns:a16="http://schemas.microsoft.com/office/drawing/2014/main" xmlns="" id="{2129EC38-471E-4685-973E-BA7A7F567C42}"/>
+                    <a16:creationId xmlns:a16="http://schemas.microsoft.com/office/drawing/2014/main" id="{2129EC38-471E-4685-973E-BA7A7F567C42}"/>
                   </a:ext>
                 </a:extLst>
               </p:cNvPr>
@@ -8364,7 +8364,7 @@
               <p:cNvPr id="44" name="Straight Connector 43">
                 <a:extLst>
                   <a:ext uri="{FF2B5EF4-FFF2-40B4-BE49-F238E27FC236}">
-                    <a16:creationId xmlns:a16="http://schemas.microsoft.com/office/drawing/2014/main" xmlns="" id="{678142BE-84C9-4834-B6CC-6623E401661C}"/>
+                    <a16:creationId xmlns:a16="http://schemas.microsoft.com/office/drawing/2014/main" id="{678142BE-84C9-4834-B6CC-6623E401661C}"/>
                   </a:ext>
                 </a:extLst>
               </p:cNvPr>
@@ -8448,7 +8448,7 @@
           <p:cNvPr id="5" name="Slide Number">
             <a:extLst>
               <a:ext uri="{FF2B5EF4-FFF2-40B4-BE49-F238E27FC236}">
-                <a16:creationId xmlns:a16="http://schemas.microsoft.com/office/drawing/2014/main" xmlns="" id="{F0B8C963-1813-4B69-AD27-6D02EBBBB569}"/>
+                <a16:creationId xmlns:a16="http://schemas.microsoft.com/office/drawing/2014/main" id="{F0B8C963-1813-4B69-AD27-6D02EBBBB569}"/>
               </a:ext>
             </a:extLst>
           </p:cNvPr>
@@ -8490,7 +8490,7 @@
           <p:cNvPr id="3" name="Rectangle Left">
             <a:extLst>
               <a:ext uri="{FF2B5EF4-FFF2-40B4-BE49-F238E27FC236}">
-                <a16:creationId xmlns:a16="http://schemas.microsoft.com/office/drawing/2014/main" xmlns="" id="{345FB1C8-7F66-4D5C-ACCE-AE919936BCFD}"/>
+                <a16:creationId xmlns:a16="http://schemas.microsoft.com/office/drawing/2014/main" id="{345FB1C8-7F66-4D5C-ACCE-AE919936BCFD}"/>
               </a:ext>
             </a:extLst>
           </p:cNvPr>
@@ -8571,7 +8571,7 @@
           <p:cNvPr id="7" name="Slide Body Text">
             <a:extLst>
               <a:ext uri="{FF2B5EF4-FFF2-40B4-BE49-F238E27FC236}">
-                <a16:creationId xmlns:a16="http://schemas.microsoft.com/office/drawing/2014/main" xmlns="" id="{7296EDA7-D37D-4B31-A888-371F0804124F}"/>
+                <a16:creationId xmlns:a16="http://schemas.microsoft.com/office/drawing/2014/main" id="{7296EDA7-D37D-4B31-A888-371F0804124F}"/>
               </a:ext>
             </a:extLst>
           </p:cNvPr>
@@ -8669,7 +8669,7 @@
           <p:cNvPr id="6" name="Slide Title">
             <a:extLst>
               <a:ext uri="{FF2B5EF4-FFF2-40B4-BE49-F238E27FC236}">
-                <a16:creationId xmlns:a16="http://schemas.microsoft.com/office/drawing/2014/main" xmlns="" id="{55A88B09-3557-48A3-BF27-42699C269215}"/>
+                <a16:creationId xmlns:a16="http://schemas.microsoft.com/office/drawing/2014/main" id="{55A88B09-3557-48A3-BF27-42699C269215}"/>
               </a:ext>
             </a:extLst>
           </p:cNvPr>
@@ -8706,7 +8706,7 @@
           <p:cNvPr id="28" name="Group 27">
             <a:extLst>
               <a:ext uri="{FF2B5EF4-FFF2-40B4-BE49-F238E27FC236}">
-                <a16:creationId xmlns:a16="http://schemas.microsoft.com/office/drawing/2014/main" xmlns="" id="{C4248838-4E67-439E-AE0A-0043D2CB04D6}"/>
+                <a16:creationId xmlns:a16="http://schemas.microsoft.com/office/drawing/2014/main" id="{C4248838-4E67-439E-AE0A-0043D2CB04D6}"/>
               </a:ext>
             </a:extLst>
           </p:cNvPr>
@@ -8726,7 +8726,7 @@
             <p:cNvPr id="29" name="Group 28">
               <a:extLst>
                 <a:ext uri="{FF2B5EF4-FFF2-40B4-BE49-F238E27FC236}">
-                  <a16:creationId xmlns:a16="http://schemas.microsoft.com/office/drawing/2014/main" xmlns="" id="{810CFD6A-2427-49D5-846A-5F93601D4184}"/>
+                  <a16:creationId xmlns:a16="http://schemas.microsoft.com/office/drawing/2014/main" id="{810CFD6A-2427-49D5-846A-5F93601D4184}"/>
                 </a:ext>
               </a:extLst>
             </p:cNvPr>
@@ -8746,7 +8746,7 @@
               <p:cNvPr id="42" name="Oval 41">
                 <a:extLst>
                   <a:ext uri="{FF2B5EF4-FFF2-40B4-BE49-F238E27FC236}">
-                    <a16:creationId xmlns:a16="http://schemas.microsoft.com/office/drawing/2014/main" xmlns="" id="{017B1AE5-5C36-4839-BA1F-B404EA44E701}"/>
+                    <a16:creationId xmlns:a16="http://schemas.microsoft.com/office/drawing/2014/main" id="{017B1AE5-5C36-4839-BA1F-B404EA44E701}"/>
                   </a:ext>
                 </a:extLst>
               </p:cNvPr>
@@ -8798,7 +8798,7 @@
               <p:cNvPr id="43" name="Rectangle 5">
                 <a:extLst>
                   <a:ext uri="{FF2B5EF4-FFF2-40B4-BE49-F238E27FC236}">
-                    <a16:creationId xmlns:a16="http://schemas.microsoft.com/office/drawing/2014/main" xmlns="" id="{FB963D79-BB49-4A1D-BA66-EA0670C79BAE}"/>
+                    <a16:creationId xmlns:a16="http://schemas.microsoft.com/office/drawing/2014/main" id="{FB963D79-BB49-4A1D-BA66-EA0670C79BAE}"/>
                   </a:ext>
                 </a:extLst>
               </p:cNvPr>
@@ -8943,7 +8943,7 @@
               <p:cNvPr id="44" name="Rectangle 5">
                 <a:extLst>
                   <a:ext uri="{FF2B5EF4-FFF2-40B4-BE49-F238E27FC236}">
-                    <a16:creationId xmlns:a16="http://schemas.microsoft.com/office/drawing/2014/main" xmlns="" id="{6D7746D8-B913-493B-AAE9-25BC6893D40E}"/>
+                    <a16:creationId xmlns:a16="http://schemas.microsoft.com/office/drawing/2014/main" id="{6D7746D8-B913-493B-AAE9-25BC6893D40E}"/>
                   </a:ext>
                 </a:extLst>
               </p:cNvPr>
@@ -9088,7 +9088,7 @@
               <p:cNvPr id="45" name="Arc 44">
                 <a:extLst>
                   <a:ext uri="{FF2B5EF4-FFF2-40B4-BE49-F238E27FC236}">
-                    <a16:creationId xmlns:a16="http://schemas.microsoft.com/office/drawing/2014/main" xmlns="" id="{29031C02-E965-417B-8799-96061B14F30D}"/>
+                    <a16:creationId xmlns:a16="http://schemas.microsoft.com/office/drawing/2014/main" id="{29031C02-E965-417B-8799-96061B14F30D}"/>
                   </a:ext>
                 </a:extLst>
               </p:cNvPr>
@@ -9147,7 +9147,7 @@
               <p:cNvPr id="46" name="Arc 45">
                 <a:extLst>
                   <a:ext uri="{FF2B5EF4-FFF2-40B4-BE49-F238E27FC236}">
-                    <a16:creationId xmlns:a16="http://schemas.microsoft.com/office/drawing/2014/main" xmlns="" id="{26BFD8A6-BC99-4B16-BA10-08A9E5C681C0}"/>
+                    <a16:creationId xmlns:a16="http://schemas.microsoft.com/office/drawing/2014/main" id="{26BFD8A6-BC99-4B16-BA10-08A9E5C681C0}"/>
                   </a:ext>
                 </a:extLst>
               </p:cNvPr>
@@ -9207,7 +9207,7 @@
             <p:cNvPr id="30" name="Rectangle: Rounded Corners 29">
               <a:extLst>
                 <a:ext uri="{FF2B5EF4-FFF2-40B4-BE49-F238E27FC236}">
-                  <a16:creationId xmlns:a16="http://schemas.microsoft.com/office/drawing/2014/main" xmlns="" id="{B310277F-A78E-4FB9-9EA9-88BE4F1D585B}"/>
+                  <a16:creationId xmlns:a16="http://schemas.microsoft.com/office/drawing/2014/main" id="{B310277F-A78E-4FB9-9EA9-88BE4F1D585B}"/>
                 </a:ext>
               </a:extLst>
             </p:cNvPr>
@@ -9261,7 +9261,7 @@
             <p:cNvPr id="31" name="Rectangle: Rounded Corners 30">
               <a:extLst>
                 <a:ext uri="{FF2B5EF4-FFF2-40B4-BE49-F238E27FC236}">
-                  <a16:creationId xmlns:a16="http://schemas.microsoft.com/office/drawing/2014/main" xmlns="" id="{A92CF92B-C212-4542-83AE-A0058B5BB5EA}"/>
+                  <a16:creationId xmlns:a16="http://schemas.microsoft.com/office/drawing/2014/main" id="{A92CF92B-C212-4542-83AE-A0058B5BB5EA}"/>
                 </a:ext>
               </a:extLst>
             </p:cNvPr>
@@ -9322,7 +9322,7 @@
             <p:cNvPr id="32" name="Straight Connector 31">
               <a:extLst>
                 <a:ext uri="{FF2B5EF4-FFF2-40B4-BE49-F238E27FC236}">
-                  <a16:creationId xmlns:a16="http://schemas.microsoft.com/office/drawing/2014/main" xmlns="" id="{563B4374-5C0D-461F-B3BD-78D99614D365}"/>
+                  <a16:creationId xmlns:a16="http://schemas.microsoft.com/office/drawing/2014/main" id="{563B4374-5C0D-461F-B3BD-78D99614D365}"/>
                 </a:ext>
               </a:extLst>
             </p:cNvPr>
@@ -9368,7 +9368,7 @@
             <p:cNvPr id="33" name="Straight Connector 32">
               <a:extLst>
                 <a:ext uri="{FF2B5EF4-FFF2-40B4-BE49-F238E27FC236}">
-                  <a16:creationId xmlns:a16="http://schemas.microsoft.com/office/drawing/2014/main" xmlns="" id="{FBC6FDE7-AEA1-4230-8433-4C088A0FF5F9}"/>
+                  <a16:creationId xmlns:a16="http://schemas.microsoft.com/office/drawing/2014/main" id="{FBC6FDE7-AEA1-4230-8433-4C088A0FF5F9}"/>
                 </a:ext>
               </a:extLst>
             </p:cNvPr>
@@ -9414,7 +9414,7 @@
             <p:cNvPr id="34" name="Group 33">
               <a:extLst>
                 <a:ext uri="{FF2B5EF4-FFF2-40B4-BE49-F238E27FC236}">
-                  <a16:creationId xmlns:a16="http://schemas.microsoft.com/office/drawing/2014/main" xmlns="" id="{C4D1021D-07C7-4331-8FF6-36980A30978B}"/>
+                  <a16:creationId xmlns:a16="http://schemas.microsoft.com/office/drawing/2014/main" id="{C4D1021D-07C7-4331-8FF6-36980A30978B}"/>
                 </a:ext>
               </a:extLst>
             </p:cNvPr>
@@ -9437,7 +9437,7 @@
               <p:cNvPr id="40" name="Straight Connector 39">
                 <a:extLst>
                   <a:ext uri="{FF2B5EF4-FFF2-40B4-BE49-F238E27FC236}">
-                    <a16:creationId xmlns:a16="http://schemas.microsoft.com/office/drawing/2014/main" xmlns="" id="{13B7FE99-95CF-45D5-966B-87A979B93431}"/>
+                    <a16:creationId xmlns:a16="http://schemas.microsoft.com/office/drawing/2014/main" id="{13B7FE99-95CF-45D5-966B-87A979B93431}"/>
                   </a:ext>
                 </a:extLst>
               </p:cNvPr>
@@ -9481,7 +9481,7 @@
               <p:cNvPr id="41" name="Straight Connector 40">
                 <a:extLst>
                   <a:ext uri="{FF2B5EF4-FFF2-40B4-BE49-F238E27FC236}">
-                    <a16:creationId xmlns:a16="http://schemas.microsoft.com/office/drawing/2014/main" xmlns="" id="{71BBA69B-19FF-4ADB-A739-AD8136A5F0A6}"/>
+                    <a16:creationId xmlns:a16="http://schemas.microsoft.com/office/drawing/2014/main" id="{71BBA69B-19FF-4ADB-A739-AD8136A5F0A6}"/>
                   </a:ext>
                 </a:extLst>
               </p:cNvPr>
@@ -9526,7 +9526,7 @@
             <p:cNvPr id="35" name="Straight Connector 34">
               <a:extLst>
                 <a:ext uri="{FF2B5EF4-FFF2-40B4-BE49-F238E27FC236}">
-                  <a16:creationId xmlns:a16="http://schemas.microsoft.com/office/drawing/2014/main" xmlns="" id="{BFD1D86B-562B-40B2-8E46-34233EFEE7FC}"/>
+                  <a16:creationId xmlns:a16="http://schemas.microsoft.com/office/drawing/2014/main" id="{BFD1D86B-562B-40B2-8E46-34233EFEE7FC}"/>
                 </a:ext>
               </a:extLst>
             </p:cNvPr>
@@ -9572,7 +9572,7 @@
             <p:cNvPr id="36" name="Rectangle: Rounded Corners 35">
               <a:extLst>
                 <a:ext uri="{FF2B5EF4-FFF2-40B4-BE49-F238E27FC236}">
-                  <a16:creationId xmlns:a16="http://schemas.microsoft.com/office/drawing/2014/main" xmlns="" id="{388C17BD-16A1-43C5-BFFA-2FF9174719E1}"/>
+                  <a16:creationId xmlns:a16="http://schemas.microsoft.com/office/drawing/2014/main" id="{388C17BD-16A1-43C5-BFFA-2FF9174719E1}"/>
                 </a:ext>
               </a:extLst>
             </p:cNvPr>
@@ -9626,7 +9626,7 @@
             <p:cNvPr id="37" name="Group 36">
               <a:extLst>
                 <a:ext uri="{FF2B5EF4-FFF2-40B4-BE49-F238E27FC236}">
-                  <a16:creationId xmlns:a16="http://schemas.microsoft.com/office/drawing/2014/main" xmlns="" id="{1B3B910E-ACFC-4F28-8E28-F02E1588B87E}"/>
+                  <a16:creationId xmlns:a16="http://schemas.microsoft.com/office/drawing/2014/main" id="{1B3B910E-ACFC-4F28-8E28-F02E1588B87E}"/>
                 </a:ext>
               </a:extLst>
             </p:cNvPr>
@@ -9649,7 +9649,7 @@
               <p:cNvPr id="38" name="Straight Connector 37">
                 <a:extLst>
                   <a:ext uri="{FF2B5EF4-FFF2-40B4-BE49-F238E27FC236}">
-                    <a16:creationId xmlns:a16="http://schemas.microsoft.com/office/drawing/2014/main" xmlns="" id="{F57772B6-06C0-4F54-AA94-D3F92DA4716A}"/>
+                    <a16:creationId xmlns:a16="http://schemas.microsoft.com/office/drawing/2014/main" id="{F57772B6-06C0-4F54-AA94-D3F92DA4716A}"/>
                   </a:ext>
                 </a:extLst>
               </p:cNvPr>
@@ -9693,7 +9693,7 @@
               <p:cNvPr id="39" name="Straight Connector 38">
                 <a:extLst>
                   <a:ext uri="{FF2B5EF4-FFF2-40B4-BE49-F238E27FC236}">
-                    <a16:creationId xmlns:a16="http://schemas.microsoft.com/office/drawing/2014/main" xmlns="" id="{23370C1F-7876-4278-AB20-78F6CAA385E2}"/>
+                    <a16:creationId xmlns:a16="http://schemas.microsoft.com/office/drawing/2014/main" id="{23370C1F-7876-4278-AB20-78F6CAA385E2}"/>
                   </a:ext>
                 </a:extLst>
               </p:cNvPr>
@@ -9777,7 +9777,7 @@
           <p:cNvPr id="8" name="Slide Number">
             <a:extLst>
               <a:ext uri="{FF2B5EF4-FFF2-40B4-BE49-F238E27FC236}">
-                <a16:creationId xmlns:a16="http://schemas.microsoft.com/office/drawing/2014/main" xmlns="" id="{509D954E-A844-4072-A556-DE584BEB9321}"/>
+                <a16:creationId xmlns:a16="http://schemas.microsoft.com/office/drawing/2014/main" id="{509D954E-A844-4072-A556-DE584BEB9321}"/>
               </a:ext>
             </a:extLst>
           </p:cNvPr>
@@ -9819,7 +9819,7 @@
           <p:cNvPr id="6" name="Code Box">
             <a:extLst>
               <a:ext uri="{FF2B5EF4-FFF2-40B4-BE49-F238E27FC236}">
-                <a16:creationId xmlns:a16="http://schemas.microsoft.com/office/drawing/2014/main" xmlns="" id="{3278A82F-5546-4977-9F75-2A933B415945}"/>
+                <a16:creationId xmlns:a16="http://schemas.microsoft.com/office/drawing/2014/main" id="{3278A82F-5546-4977-9F75-2A933B415945}"/>
               </a:ext>
             </a:extLst>
           </p:cNvPr>
@@ -9906,7 +9906,7 @@
           <p:cNvPr id="21" name="Slide Body Text">
             <a:extLst>
               <a:ext uri="{FF2B5EF4-FFF2-40B4-BE49-F238E27FC236}">
-                <a16:creationId xmlns:a16="http://schemas.microsoft.com/office/drawing/2014/main" xmlns="" id="{04F318BE-2BAD-4677-871C-D78A4BF0CBA6}"/>
+                <a16:creationId xmlns:a16="http://schemas.microsoft.com/office/drawing/2014/main" id="{04F318BE-2BAD-4677-871C-D78A4BF0CBA6}"/>
               </a:ext>
             </a:extLst>
           </p:cNvPr>
@@ -9953,7 +9953,7 @@
           <p:cNvPr id="9" name="Rectangle Top">
             <a:extLst>
               <a:ext uri="{FF2B5EF4-FFF2-40B4-BE49-F238E27FC236}">
-                <a16:creationId xmlns:a16="http://schemas.microsoft.com/office/drawing/2014/main" xmlns="" id="{A15CE03A-0933-4E5D-9EA1-718D4F802FFC}"/>
+                <a16:creationId xmlns:a16="http://schemas.microsoft.com/office/drawing/2014/main" id="{A15CE03A-0933-4E5D-9EA1-718D4F802FFC}"/>
               </a:ext>
             </a:extLst>
           </p:cNvPr>
@@ -10034,7 +10034,7 @@
           <p:cNvPr id="10" name="Logo Software University" descr="Software University logo">
             <a:extLst>
               <a:ext uri="{FF2B5EF4-FFF2-40B4-BE49-F238E27FC236}">
-                <a16:creationId xmlns:a16="http://schemas.microsoft.com/office/drawing/2014/main" xmlns="" id="{8C01D7AF-7CBD-46E1-99F3-8EB60E838D91}"/>
+                <a16:creationId xmlns:a16="http://schemas.microsoft.com/office/drawing/2014/main" id="{8C01D7AF-7CBD-46E1-99F3-8EB60E838D91}"/>
               </a:ext>
             </a:extLst>
           </p:cNvPr>
@@ -10070,7 +10070,7 @@
           <p:cNvPr id="11" name="Slide Title">
             <a:extLst>
               <a:ext uri="{FF2B5EF4-FFF2-40B4-BE49-F238E27FC236}">
-                <a16:creationId xmlns:a16="http://schemas.microsoft.com/office/drawing/2014/main" xmlns="" id="{47D60833-F0A9-4F29-8C06-A963A7C8BE93}"/>
+                <a16:creationId xmlns:a16="http://schemas.microsoft.com/office/drawing/2014/main" id="{47D60833-F0A9-4F29-8C06-A963A7C8BE93}"/>
               </a:ext>
             </a:extLst>
           </p:cNvPr>
@@ -10149,7 +10149,7 @@
           <p:cNvPr id="10" name="Slide Number">
             <a:extLst>
               <a:ext uri="{FF2B5EF4-FFF2-40B4-BE49-F238E27FC236}">
-                <a16:creationId xmlns:a16="http://schemas.microsoft.com/office/drawing/2014/main" xmlns="" id="{39DDE17E-5472-41F3-AF5F-54DFF10DC63C}"/>
+                <a16:creationId xmlns:a16="http://schemas.microsoft.com/office/drawing/2014/main" id="{39DDE17E-5472-41F3-AF5F-54DFF10DC63C}"/>
               </a:ext>
             </a:extLst>
           </p:cNvPr>
@@ -10191,7 +10191,7 @@
           <p:cNvPr id="9" name="Picture SoftUni Mascot" descr="SoftUni mascot with laptop">
             <a:extLst>
               <a:ext uri="{FF2B5EF4-FFF2-40B4-BE49-F238E27FC236}">
-                <a16:creationId xmlns:a16="http://schemas.microsoft.com/office/drawing/2014/main" xmlns="" id="{DC4365F6-D2C1-47B4-8477-38FD2C7711AA}"/>
+                <a16:creationId xmlns:a16="http://schemas.microsoft.com/office/drawing/2014/main" id="{DC4365F6-D2C1-47B4-8477-38FD2C7711AA}"/>
               </a:ext>
             </a:extLst>
           </p:cNvPr>
@@ -10227,7 +10227,7 @@
           <p:cNvPr id="23" name="Slide Body Text">
             <a:extLst>
               <a:ext uri="{FF2B5EF4-FFF2-40B4-BE49-F238E27FC236}">
-                <a16:creationId xmlns:a16="http://schemas.microsoft.com/office/drawing/2014/main" xmlns="" id="{889D93F4-ABFA-46BF-8E5D-FE6562ACB20F}"/>
+                <a16:creationId xmlns:a16="http://schemas.microsoft.com/office/drawing/2014/main" id="{889D93F4-ABFA-46BF-8E5D-FE6562ACB20F}"/>
               </a:ext>
             </a:extLst>
           </p:cNvPr>
@@ -10318,7 +10318,7 @@
           <p:cNvPr id="8" name="Rectangle Top">
             <a:extLst>
               <a:ext uri="{FF2B5EF4-FFF2-40B4-BE49-F238E27FC236}">
-                <a16:creationId xmlns:a16="http://schemas.microsoft.com/office/drawing/2014/main" xmlns="" id="{930E0800-9260-4369-8330-8264DD33C5CE}"/>
+                <a16:creationId xmlns:a16="http://schemas.microsoft.com/office/drawing/2014/main" id="{930E0800-9260-4369-8330-8264DD33C5CE}"/>
               </a:ext>
             </a:extLst>
           </p:cNvPr>
@@ -10399,7 +10399,7 @@
           <p:cNvPr id="11" name="Logo Software University" descr="Software University logo">
             <a:extLst>
               <a:ext uri="{FF2B5EF4-FFF2-40B4-BE49-F238E27FC236}">
-                <a16:creationId xmlns:a16="http://schemas.microsoft.com/office/drawing/2014/main" xmlns="" id="{14F779A7-4A91-448B-BEFA-956C70A1C22F}"/>
+                <a16:creationId xmlns:a16="http://schemas.microsoft.com/office/drawing/2014/main" id="{14F779A7-4A91-448B-BEFA-956C70A1C22F}"/>
               </a:ext>
             </a:extLst>
           </p:cNvPr>
@@ -10435,7 +10435,7 @@
           <p:cNvPr id="13" name="Slide Title">
             <a:extLst>
               <a:ext uri="{FF2B5EF4-FFF2-40B4-BE49-F238E27FC236}">
-                <a16:creationId xmlns:a16="http://schemas.microsoft.com/office/drawing/2014/main" xmlns="" id="{357D7BE1-6358-42CC-94F3-7BCDD91DCB6D}"/>
+                <a16:creationId xmlns:a16="http://schemas.microsoft.com/office/drawing/2014/main" id="{357D7BE1-6358-42CC-94F3-7BCDD91DCB6D}"/>
               </a:ext>
             </a:extLst>
           </p:cNvPr>
@@ -10594,7 +10594,7 @@
           <p:cNvPr id="11" name="Slide Number">
             <a:extLst>
               <a:ext uri="{FF2B5EF4-FFF2-40B4-BE49-F238E27FC236}">
-                <a16:creationId xmlns:a16="http://schemas.microsoft.com/office/drawing/2014/main" xmlns="" id="{6750ECE4-94E0-469B-B8E4-562792823B0F}"/>
+                <a16:creationId xmlns:a16="http://schemas.microsoft.com/office/drawing/2014/main" id="{6750ECE4-94E0-469B-B8E4-562792823B0F}"/>
               </a:ext>
             </a:extLst>
           </p:cNvPr>
@@ -10717,7 +10717,7 @@
           <p:cNvPr id="12" name="Logo Software University Down" descr="Software University logo">
             <a:extLst>
               <a:ext uri="{FF2B5EF4-FFF2-40B4-BE49-F238E27FC236}">
-                <a16:creationId xmlns:a16="http://schemas.microsoft.com/office/drawing/2014/main" xmlns="" id="{7028D2F0-1E67-414B-A93D-D3F8F131A132}"/>
+                <a16:creationId xmlns:a16="http://schemas.microsoft.com/office/drawing/2014/main" id="{7028D2F0-1E67-414B-A93D-D3F8F131A132}"/>
               </a:ext>
             </a:extLst>
           </p:cNvPr>
@@ -10753,7 +10753,7 @@
           <p:cNvPr id="10" name="Text Placeholder Right">
             <a:extLst>
               <a:ext uri="{FF2B5EF4-FFF2-40B4-BE49-F238E27FC236}">
-                <a16:creationId xmlns:a16="http://schemas.microsoft.com/office/drawing/2014/main" xmlns="" id="{AF69A59F-C564-4A04-B1CC-31C261499991}"/>
+                <a16:creationId xmlns:a16="http://schemas.microsoft.com/office/drawing/2014/main" id="{AF69A59F-C564-4A04-B1CC-31C261499991}"/>
               </a:ext>
             </a:extLst>
           </p:cNvPr>
@@ -10831,7 +10831,7 @@
           <p:cNvPr id="9" name="Text Placeholder Left">
             <a:extLst>
               <a:ext uri="{FF2B5EF4-FFF2-40B4-BE49-F238E27FC236}">
-                <a16:creationId xmlns:a16="http://schemas.microsoft.com/office/drawing/2014/main" xmlns="" id="{C8A626D2-456B-41EF-9818-EA8DD7E314DA}"/>
+                <a16:creationId xmlns:a16="http://schemas.microsoft.com/office/drawing/2014/main" id="{C8A626D2-456B-41EF-9818-EA8DD7E314DA}"/>
               </a:ext>
             </a:extLst>
           </p:cNvPr>
@@ -10909,7 +10909,7 @@
           <p:cNvPr id="13" name="Rectangle Top">
             <a:extLst>
               <a:ext uri="{FF2B5EF4-FFF2-40B4-BE49-F238E27FC236}">
-                <a16:creationId xmlns:a16="http://schemas.microsoft.com/office/drawing/2014/main" xmlns="" id="{E03301DA-D0AF-46FD-8740-2F761250203A}"/>
+                <a16:creationId xmlns:a16="http://schemas.microsoft.com/office/drawing/2014/main" id="{E03301DA-D0AF-46FD-8740-2F761250203A}"/>
               </a:ext>
             </a:extLst>
           </p:cNvPr>
@@ -10990,7 +10990,7 @@
           <p:cNvPr id="14" name="Logo Software University" descr="Software University logo">
             <a:extLst>
               <a:ext uri="{FF2B5EF4-FFF2-40B4-BE49-F238E27FC236}">
-                <a16:creationId xmlns:a16="http://schemas.microsoft.com/office/drawing/2014/main" xmlns="" id="{19A67BB9-D880-4EAD-B90E-89C4219BFC0B}"/>
+                <a16:creationId xmlns:a16="http://schemas.microsoft.com/office/drawing/2014/main" id="{19A67BB9-D880-4EAD-B90E-89C4219BFC0B}"/>
               </a:ext>
             </a:extLst>
           </p:cNvPr>
@@ -11026,7 +11026,7 @@
           <p:cNvPr id="15" name="Slide Title">
             <a:extLst>
               <a:ext uri="{FF2B5EF4-FFF2-40B4-BE49-F238E27FC236}">
-                <a16:creationId xmlns:a16="http://schemas.microsoft.com/office/drawing/2014/main" xmlns="" id="{EA9A94D1-F9F6-4D7B-85E3-896A987B6A4D}"/>
+                <a16:creationId xmlns:a16="http://schemas.microsoft.com/office/drawing/2014/main" id="{EA9A94D1-F9F6-4D7B-85E3-896A987B6A4D}"/>
               </a:ext>
             </a:extLst>
           </p:cNvPr>
@@ -11129,7 +11129,7 @@
           <p:cNvPr id="4" name="Picture Background" descr="SoftUni Background">
             <a:extLst>
               <a:ext uri="{FF2B5EF4-FFF2-40B4-BE49-F238E27FC236}">
-                <a16:creationId xmlns:a16="http://schemas.microsoft.com/office/drawing/2014/main" xmlns="" id="{5BE90A63-DDD9-4B3B-A234-DF69B9BC812F}"/>
+                <a16:creationId xmlns:a16="http://schemas.microsoft.com/office/drawing/2014/main" id="{5BE90A63-DDD9-4B3B-A234-DF69B9BC812F}"/>
               </a:ext>
             </a:extLst>
           </p:cNvPr>
@@ -11158,7 +11158,7 @@
           <p:cNvPr id="11" name="Slide Body Text">
             <a:extLst>
               <a:ext uri="{FF2B5EF4-FFF2-40B4-BE49-F238E27FC236}">
-                <a16:creationId xmlns:a16="http://schemas.microsoft.com/office/drawing/2014/main" xmlns="" id="{90CBFB32-9F46-4F2F-8A54-9EE8BED27855}"/>
+                <a16:creationId xmlns:a16="http://schemas.microsoft.com/office/drawing/2014/main" id="{90CBFB32-9F46-4F2F-8A54-9EE8BED27855}"/>
               </a:ext>
             </a:extLst>
           </p:cNvPr>
@@ -11226,7 +11226,7 @@
           <p:cNvPr id="10" name="Slide Title">
             <a:extLst>
               <a:ext uri="{FF2B5EF4-FFF2-40B4-BE49-F238E27FC236}">
-                <a16:creationId xmlns:a16="http://schemas.microsoft.com/office/drawing/2014/main" xmlns="" id="{B770C392-3003-4C35-9625-BB041F8257BA}"/>
+                <a16:creationId xmlns:a16="http://schemas.microsoft.com/office/drawing/2014/main" id="{B770C392-3003-4C35-9625-BB041F8257BA}"/>
               </a:ext>
             </a:extLst>
           </p:cNvPr>
@@ -11767,7 +11767,7 @@
           <p:cNvPr id="23" name="Picture 22">
             <a:extLst>
               <a:ext uri="{FF2B5EF4-FFF2-40B4-BE49-F238E27FC236}">
-                <a16:creationId xmlns:a16="http://schemas.microsoft.com/office/drawing/2014/main" xmlns="" id="{C0D3D29C-BAF5-4006-8125-0CCBDDF50E66}"/>
+                <a16:creationId xmlns:a16="http://schemas.microsoft.com/office/drawing/2014/main" id="{C0D3D29C-BAF5-4006-8125-0CCBDDF50E66}"/>
               </a:ext>
             </a:extLst>
           </p:cNvPr>
@@ -11938,7 +11938,7 @@
           <p:cNvPr id="6" name="Rectangle 3">
             <a:extLst>
               <a:ext uri="{FF2B5EF4-FFF2-40B4-BE49-F238E27FC236}">
-                <a16:creationId xmlns:a16="http://schemas.microsoft.com/office/drawing/2014/main" xmlns="" id="{1A70C25E-3D76-4D3A-9787-4D617C562F50}"/>
+                <a16:creationId xmlns:a16="http://schemas.microsoft.com/office/drawing/2014/main" id="{1A70C25E-3D76-4D3A-9787-4D617C562F50}"/>
               </a:ext>
             </a:extLst>
           </p:cNvPr>
@@ -12237,7 +12237,7 @@
           <p:cNvPr id="5" name="Slide Number">
             <a:extLst>
               <a:ext uri="{FF2B5EF4-FFF2-40B4-BE49-F238E27FC236}">
-                <a16:creationId xmlns:a16="http://schemas.microsoft.com/office/drawing/2014/main" xmlns="" id="{ECD29AC7-3AB4-41E3-98E9-D7CADA3097B4}"/>
+                <a16:creationId xmlns:a16="http://schemas.microsoft.com/office/drawing/2014/main" id="{ECD29AC7-3AB4-41E3-98E9-D7CADA3097B4}"/>
               </a:ext>
             </a:extLst>
           </p:cNvPr>
@@ -12473,7 +12473,7 @@
           <p:cNvPr id="5" name="Slide Number">
             <a:extLst>
               <a:ext uri="{FF2B5EF4-FFF2-40B4-BE49-F238E27FC236}">
-                <a16:creationId xmlns:a16="http://schemas.microsoft.com/office/drawing/2014/main" xmlns="" id="{FCE4662C-AEC0-4BC1-9D73-546B3D035019}"/>
+                <a16:creationId xmlns:a16="http://schemas.microsoft.com/office/drawing/2014/main" id="{FCE4662C-AEC0-4BC1-9D73-546B3D035019}"/>
               </a:ext>
             </a:extLst>
           </p:cNvPr>
@@ -12855,7 +12855,7 @@
           <p:cNvPr id="5" name="Rectangle 3">
             <a:extLst>
               <a:ext uri="{FF2B5EF4-FFF2-40B4-BE49-F238E27FC236}">
-                <a16:creationId xmlns:a16="http://schemas.microsoft.com/office/drawing/2014/main" xmlns="" id="{1A70C25E-3D76-4D3A-9787-4D617C562F50}"/>
+                <a16:creationId xmlns:a16="http://schemas.microsoft.com/office/drawing/2014/main" id="{1A70C25E-3D76-4D3A-9787-4D617C562F50}"/>
               </a:ext>
             </a:extLst>
           </p:cNvPr>
@@ -12981,7 +12981,7 @@
           <p:cNvPr id="6" name="Slide Number">
             <a:extLst>
               <a:ext uri="{FF2B5EF4-FFF2-40B4-BE49-F238E27FC236}">
-                <a16:creationId xmlns:a16="http://schemas.microsoft.com/office/drawing/2014/main" xmlns="" id="{9AA5AEF7-08E3-4C8D-BFC8-E28D6E362AA3}"/>
+                <a16:creationId xmlns:a16="http://schemas.microsoft.com/office/drawing/2014/main" id="{9AA5AEF7-08E3-4C8D-BFC8-E28D6E362AA3}"/>
               </a:ext>
             </a:extLst>
           </p:cNvPr>
@@ -13218,7 +13218,7 @@
           <p:cNvPr id="5" name="Заглавие 4">
             <a:extLst>
               <a:ext uri="{FF2B5EF4-FFF2-40B4-BE49-F238E27FC236}">
-                <a16:creationId xmlns:a16="http://schemas.microsoft.com/office/drawing/2014/main" xmlns="" id="{58AAC2A5-B77B-4F02-9CFE-8D90E287AD91}"/>
+                <a16:creationId xmlns:a16="http://schemas.microsoft.com/office/drawing/2014/main" id="{58AAC2A5-B77B-4F02-9CFE-8D90E287AD91}"/>
               </a:ext>
             </a:extLst>
           </p:cNvPr>
@@ -13314,7 +13314,7 @@
           <p:cNvPr id="5" name="Заглавие 4">
             <a:extLst>
               <a:ext uri="{FF2B5EF4-FFF2-40B4-BE49-F238E27FC236}">
-                <a16:creationId xmlns:a16="http://schemas.microsoft.com/office/drawing/2014/main" xmlns="" id="{CA21270A-F52C-4BE8-9706-783D6F70B66C}"/>
+                <a16:creationId xmlns:a16="http://schemas.microsoft.com/office/drawing/2014/main" id="{CA21270A-F52C-4BE8-9706-783D6F70B66C}"/>
               </a:ext>
             </a:extLst>
           </p:cNvPr>
@@ -13545,7 +13545,7 @@
           <p:cNvPr id="6" name="Slide Number">
             <a:extLst>
               <a:ext uri="{FF2B5EF4-FFF2-40B4-BE49-F238E27FC236}">
-                <a16:creationId xmlns:a16="http://schemas.microsoft.com/office/drawing/2014/main" xmlns="" id="{FB309106-1D36-4C32-80BE-D6A626ECFC52}"/>
+                <a16:creationId xmlns:a16="http://schemas.microsoft.com/office/drawing/2014/main" id="{FB309106-1D36-4C32-80BE-D6A626ECFC52}"/>
               </a:ext>
             </a:extLst>
           </p:cNvPr>
@@ -14006,7 +14006,7 @@
           <p:cNvPr id="7" name="Rectangle 3">
             <a:extLst>
               <a:ext uri="{FF2B5EF4-FFF2-40B4-BE49-F238E27FC236}">
-                <a16:creationId xmlns:a16="http://schemas.microsoft.com/office/drawing/2014/main" xmlns="" id="{1A70C25E-3D76-4D3A-9787-4D617C562F50}"/>
+                <a16:creationId xmlns:a16="http://schemas.microsoft.com/office/drawing/2014/main" id="{1A70C25E-3D76-4D3A-9787-4D617C562F50}"/>
               </a:ext>
             </a:extLst>
           </p:cNvPr>
@@ -14086,7 +14086,7 @@
           <p:cNvPr id="6" name="Slide Number">
             <a:extLst>
               <a:ext uri="{FF2B5EF4-FFF2-40B4-BE49-F238E27FC236}">
-                <a16:creationId xmlns:a16="http://schemas.microsoft.com/office/drawing/2014/main" xmlns="" id="{075B28AC-D33A-43C0-B4C8-10112DD63C8D}"/>
+                <a16:creationId xmlns:a16="http://schemas.microsoft.com/office/drawing/2014/main" id="{075B28AC-D33A-43C0-B4C8-10112DD63C8D}"/>
               </a:ext>
             </a:extLst>
           </p:cNvPr>
@@ -14550,7 +14550,7 @@
           <p:cNvPr id="4" name="Slide Number">
             <a:extLst>
               <a:ext uri="{FF2B5EF4-FFF2-40B4-BE49-F238E27FC236}">
-                <a16:creationId xmlns:a16="http://schemas.microsoft.com/office/drawing/2014/main" xmlns="" id="{B0DDA938-ED30-4E81-8B64-F206BCCD396F}"/>
+                <a16:creationId xmlns:a16="http://schemas.microsoft.com/office/drawing/2014/main" id="{B0DDA938-ED30-4E81-8B64-F206BCCD396F}"/>
               </a:ext>
             </a:extLst>
           </p:cNvPr>
@@ -14829,7 +14829,7 @@
           <p:cNvPr id="5" name="Rectangle 3">
             <a:extLst>
               <a:ext uri="{FF2B5EF4-FFF2-40B4-BE49-F238E27FC236}">
-                <a16:creationId xmlns:a16="http://schemas.microsoft.com/office/drawing/2014/main" xmlns="" id="{1A70C25E-3D76-4D3A-9787-4D617C562F50}"/>
+                <a16:creationId xmlns:a16="http://schemas.microsoft.com/office/drawing/2014/main" id="{1A70C25E-3D76-4D3A-9787-4D617C562F50}"/>
               </a:ext>
             </a:extLst>
           </p:cNvPr>
@@ -15123,7 +15123,7 @@
           <p:cNvPr id="6" name="Slide Number">
             <a:extLst>
               <a:ext uri="{FF2B5EF4-FFF2-40B4-BE49-F238E27FC236}">
-                <a16:creationId xmlns:a16="http://schemas.microsoft.com/office/drawing/2014/main" xmlns="" id="{300DB2FA-8916-4B1C-AA1A-961BCDBA0AA6}"/>
+                <a16:creationId xmlns:a16="http://schemas.microsoft.com/office/drawing/2014/main" id="{300DB2FA-8916-4B1C-AA1A-961BCDBA0AA6}"/>
               </a:ext>
             </a:extLst>
           </p:cNvPr>
@@ -15311,7 +15311,7 @@
           <p:cNvPr id="5" name="Slide Number">
             <a:extLst>
               <a:ext uri="{FF2B5EF4-FFF2-40B4-BE49-F238E27FC236}">
-                <a16:creationId xmlns:a16="http://schemas.microsoft.com/office/drawing/2014/main" xmlns="" id="{04349B04-E64B-4D47-9C30-8E66E09FE7ED}"/>
+                <a16:creationId xmlns:a16="http://schemas.microsoft.com/office/drawing/2014/main" id="{04349B04-E64B-4D47-9C30-8E66E09FE7ED}"/>
               </a:ext>
             </a:extLst>
           </p:cNvPr>
@@ -15643,7 +15643,7 @@
           <p:cNvPr id="5" name="Picture 4" descr="A drawing of a cartoon character&#10;&#10;Description generated with high confidence">
             <a:extLst>
               <a:ext uri="{FF2B5EF4-FFF2-40B4-BE49-F238E27FC236}">
-                <a16:creationId xmlns:a16="http://schemas.microsoft.com/office/drawing/2014/main" xmlns="" id="{8A4321C1-0DAC-40C4-A4A0-54B7CB9291FC}"/>
+                <a16:creationId xmlns:a16="http://schemas.microsoft.com/office/drawing/2014/main" id="{8A4321C1-0DAC-40C4-A4A0-54B7CB9291FC}"/>
               </a:ext>
             </a:extLst>
           </p:cNvPr>
@@ -15679,7 +15679,7 @@
           <p:cNvPr id="6" name="Slide Number">
             <a:extLst>
               <a:ext uri="{FF2B5EF4-FFF2-40B4-BE49-F238E27FC236}">
-                <a16:creationId xmlns:a16="http://schemas.microsoft.com/office/drawing/2014/main" xmlns="" id="{5FC2641C-3368-4966-B9CA-8BDBFC17B6A0}"/>
+                <a16:creationId xmlns:a16="http://schemas.microsoft.com/office/drawing/2014/main" id="{5FC2641C-3368-4966-B9CA-8BDBFC17B6A0}"/>
               </a:ext>
             </a:extLst>
           </p:cNvPr>
@@ -16121,7 +16121,7 @@
           <p:cNvPr id="6" name="Rectangle 3">
             <a:extLst>
               <a:ext uri="{FF2B5EF4-FFF2-40B4-BE49-F238E27FC236}">
-                <a16:creationId xmlns:a16="http://schemas.microsoft.com/office/drawing/2014/main" xmlns="" id="{1A70C25E-3D76-4D3A-9787-4D617C562F50}"/>
+                <a16:creationId xmlns:a16="http://schemas.microsoft.com/office/drawing/2014/main" id="{1A70C25E-3D76-4D3A-9787-4D617C562F50}"/>
               </a:ext>
             </a:extLst>
           </p:cNvPr>
@@ -16267,7 +16267,7 @@
           <p:cNvPr id="7" name="Slide Number">
             <a:extLst>
               <a:ext uri="{FF2B5EF4-FFF2-40B4-BE49-F238E27FC236}">
-                <a16:creationId xmlns:a16="http://schemas.microsoft.com/office/drawing/2014/main" xmlns="" id="{90822484-BC89-43E1-A3CD-61799DAC423D}"/>
+                <a16:creationId xmlns:a16="http://schemas.microsoft.com/office/drawing/2014/main" id="{90822484-BC89-43E1-A3CD-61799DAC423D}"/>
               </a:ext>
             </a:extLst>
           </p:cNvPr>
@@ -16504,7 +16504,7 @@
           <p:cNvPr id="5" name="Заглавие 4">
             <a:extLst>
               <a:ext uri="{FF2B5EF4-FFF2-40B4-BE49-F238E27FC236}">
-                <a16:creationId xmlns:a16="http://schemas.microsoft.com/office/drawing/2014/main" xmlns="" id="{7C6B4689-BB4F-4006-A93F-221E0AE17F11}"/>
+                <a16:creationId xmlns:a16="http://schemas.microsoft.com/office/drawing/2014/main" id="{7C6B4689-BB4F-4006-A93F-221E0AE17F11}"/>
               </a:ext>
             </a:extLst>
           </p:cNvPr>
@@ -16600,7 +16600,7 @@
           <p:cNvPr id="4" name="Заглавие 3">
             <a:extLst>
               <a:ext uri="{FF2B5EF4-FFF2-40B4-BE49-F238E27FC236}">
-                <a16:creationId xmlns:a16="http://schemas.microsoft.com/office/drawing/2014/main" xmlns="" id="{33519361-7FF6-424E-B842-FCED320CAF16}"/>
+                <a16:creationId xmlns:a16="http://schemas.microsoft.com/office/drawing/2014/main" id="{33519361-7FF6-424E-B842-FCED320CAF16}"/>
               </a:ext>
             </a:extLst>
           </p:cNvPr>
@@ -16755,7 +16755,7 @@
           <p:cNvPr id="6" name="Slide Number">
             <a:extLst>
               <a:ext uri="{FF2B5EF4-FFF2-40B4-BE49-F238E27FC236}">
-                <a16:creationId xmlns:a16="http://schemas.microsoft.com/office/drawing/2014/main" xmlns="" id="{CF1C845C-E5CC-4527-ABED-C563C1C447C5}"/>
+                <a16:creationId xmlns:a16="http://schemas.microsoft.com/office/drawing/2014/main" id="{CF1C845C-E5CC-4527-ABED-C563C1C447C5}"/>
               </a:ext>
             </a:extLst>
           </p:cNvPr>
@@ -17259,7 +17259,7 @@
           <p:cNvPr id="7" name="Slide Number">
             <a:extLst>
               <a:ext uri="{FF2B5EF4-FFF2-40B4-BE49-F238E27FC236}">
-                <a16:creationId xmlns:a16="http://schemas.microsoft.com/office/drawing/2014/main" xmlns="" id="{929EE071-3720-4607-957F-7A55C38B9629}"/>
+                <a16:creationId xmlns:a16="http://schemas.microsoft.com/office/drawing/2014/main" id="{929EE071-3720-4607-957F-7A55C38B9629}"/>
               </a:ext>
             </a:extLst>
           </p:cNvPr>
@@ -17595,7 +17595,7 @@
           <p:cNvPr id="4" name="Заглавие 3">
             <a:extLst>
               <a:ext uri="{FF2B5EF4-FFF2-40B4-BE49-F238E27FC236}">
-                <a16:creationId xmlns:a16="http://schemas.microsoft.com/office/drawing/2014/main" xmlns="" id="{E020C2EA-6FD9-482C-BC8E-A6551A34FDE6}"/>
+                <a16:creationId xmlns:a16="http://schemas.microsoft.com/office/drawing/2014/main" id="{E020C2EA-6FD9-482C-BC8E-A6551A34FDE6}"/>
               </a:ext>
             </a:extLst>
           </p:cNvPr>
@@ -17691,7 +17691,7 @@
           <p:cNvPr id="4" name="Заглавие 3">
             <a:extLst>
               <a:ext uri="{FF2B5EF4-FFF2-40B4-BE49-F238E27FC236}">
-                <a16:creationId xmlns:a16="http://schemas.microsoft.com/office/drawing/2014/main" xmlns="" id="{B8C4AE57-1352-4773-8838-6F29FC74551D}"/>
+                <a16:creationId xmlns:a16="http://schemas.microsoft.com/office/drawing/2014/main" id="{B8C4AE57-1352-4773-8838-6F29FC74551D}"/>
               </a:ext>
             </a:extLst>
           </p:cNvPr>
@@ -17832,7 +17832,7 @@
           <p:cNvPr id="6" name="Slide Number">
             <a:extLst>
               <a:ext uri="{FF2B5EF4-FFF2-40B4-BE49-F238E27FC236}">
-                <a16:creationId xmlns:a16="http://schemas.microsoft.com/office/drawing/2014/main" xmlns="" id="{6B8A1372-0C96-4F96-A541-64444A043009}"/>
+                <a16:creationId xmlns:a16="http://schemas.microsoft.com/office/drawing/2014/main" id="{6B8A1372-0C96-4F96-A541-64444A043009}"/>
               </a:ext>
             </a:extLst>
           </p:cNvPr>
@@ -18188,7 +18188,7 @@
           <p:cNvPr id="5" name="Slide Number">
             <a:extLst>
               <a:ext uri="{FF2B5EF4-FFF2-40B4-BE49-F238E27FC236}">
-                <a16:creationId xmlns:a16="http://schemas.microsoft.com/office/drawing/2014/main" xmlns="" id="{F3519BB6-A2F8-46F0-85D6-E1F4F40D6730}"/>
+                <a16:creationId xmlns:a16="http://schemas.microsoft.com/office/drawing/2014/main" id="{F3519BB6-A2F8-46F0-85D6-E1F4F40D6730}"/>
               </a:ext>
             </a:extLst>
           </p:cNvPr>
@@ -18571,7 +18571,7 @@
           <p:cNvPr id="5" name="Slide Number">
             <a:extLst>
               <a:ext uri="{FF2B5EF4-FFF2-40B4-BE49-F238E27FC236}">
-                <a16:creationId xmlns:a16="http://schemas.microsoft.com/office/drawing/2014/main" xmlns="" id="{7ECE5188-3F1A-4626-8A36-1728F52805F4}"/>
+                <a16:creationId xmlns:a16="http://schemas.microsoft.com/office/drawing/2014/main" id="{7ECE5188-3F1A-4626-8A36-1728F52805F4}"/>
               </a:ext>
             </a:extLst>
           </p:cNvPr>
@@ -18946,10 +18946,6 @@
               </a:rPr>
               <a:t>sli.do</a:t>
             </a:r>
-            <a:r>
-              <a:rPr lang="en-US" sz="5998" b="1" dirty="0"/>
-              <a:t/>
-            </a:r>
             <a:br>
               <a:rPr lang="en-US" sz="5998" b="1" dirty="0"/>
             </a:br>
@@ -18989,7 +18985,7 @@
           <p:cNvPr id="5" name="Slide Number">
             <a:extLst>
               <a:ext uri="{FF2B5EF4-FFF2-40B4-BE49-F238E27FC236}">
-                <a16:creationId xmlns:a16="http://schemas.microsoft.com/office/drawing/2014/main" xmlns="" id="{14FE588F-25DD-4871-98CD-FC504BA4CE5A}"/>
+                <a16:creationId xmlns:a16="http://schemas.microsoft.com/office/drawing/2014/main" id="{14FE588F-25DD-4871-98CD-FC504BA4CE5A}"/>
               </a:ext>
             </a:extLst>
           </p:cNvPr>
@@ -19069,7 +19065,7 @@
           <p:cNvPr id="7" name="Picture 6" descr="A picture containing mug, drawing&#10;&#10;Description automatically generated">
             <a:extLst>
               <a:ext uri="{FF2B5EF4-FFF2-40B4-BE49-F238E27FC236}">
-                <a16:creationId xmlns:a16="http://schemas.microsoft.com/office/drawing/2014/main" xmlns="" id="{C302E6B5-5A97-4A35-80D4-CFD0E98C9DA5}"/>
+                <a16:creationId xmlns:a16="http://schemas.microsoft.com/office/drawing/2014/main" id="{C302E6B5-5A97-4A35-80D4-CFD0E98C9DA5}"/>
               </a:ext>
             </a:extLst>
           </p:cNvPr>
@@ -19105,7 +19101,7 @@
           <p:cNvPr id="3" name="Заглавие 2">
             <a:extLst>
               <a:ext uri="{FF2B5EF4-FFF2-40B4-BE49-F238E27FC236}">
-                <a16:creationId xmlns:a16="http://schemas.microsoft.com/office/drawing/2014/main" xmlns="" id="{80248051-A5D4-4857-B4A4-247FC12C1C5F}"/>
+                <a16:creationId xmlns:a16="http://schemas.microsoft.com/office/drawing/2014/main" id="{80248051-A5D4-4857-B4A4-247FC12C1C5F}"/>
               </a:ext>
             </a:extLst>
           </p:cNvPr>
@@ -19171,7 +19167,7 @@
           <p:cNvPr id="5" name="Text Placeholder 4">
             <a:extLst>
               <a:ext uri="{FF2B5EF4-FFF2-40B4-BE49-F238E27FC236}">
-                <a16:creationId xmlns:a16="http://schemas.microsoft.com/office/drawing/2014/main" xmlns="" id="{727AD073-F6DD-42D9-835B-5B57A86C67D5}"/>
+                <a16:creationId xmlns:a16="http://schemas.microsoft.com/office/drawing/2014/main" id="{727AD073-F6DD-42D9-835B-5B57A86C67D5}"/>
               </a:ext>
             </a:extLst>
           </p:cNvPr>
@@ -19277,7 +19273,7 @@
           <p:cNvPr id="4" name="Title 3">
             <a:extLst>
               <a:ext uri="{FF2B5EF4-FFF2-40B4-BE49-F238E27FC236}">
-                <a16:creationId xmlns:a16="http://schemas.microsoft.com/office/drawing/2014/main" xmlns="" id="{716F4B9A-1ED5-401E-8C36-83C2EE1B0312}"/>
+                <a16:creationId xmlns:a16="http://schemas.microsoft.com/office/drawing/2014/main" id="{716F4B9A-1ED5-401E-8C36-83C2EE1B0312}"/>
               </a:ext>
             </a:extLst>
           </p:cNvPr>
@@ -19306,7 +19302,7 @@
           <p:cNvPr id="6" name="Slide Number">
             <a:extLst>
               <a:ext uri="{FF2B5EF4-FFF2-40B4-BE49-F238E27FC236}">
-                <a16:creationId xmlns:a16="http://schemas.microsoft.com/office/drawing/2014/main" xmlns="" id="{EB9AFF63-E49F-4EAC-BBF7-F2F4312A6AC2}"/>
+                <a16:creationId xmlns:a16="http://schemas.microsoft.com/office/drawing/2014/main" id="{EB9AFF63-E49F-4EAC-BBF7-F2F4312A6AC2}"/>
               </a:ext>
             </a:extLst>
           </p:cNvPr>
@@ -19682,7 +19678,7 @@
           <p:cNvPr id="5" name="Text Placeholder 4">
             <a:extLst>
               <a:ext uri="{FF2B5EF4-FFF2-40B4-BE49-F238E27FC236}">
-                <a16:creationId xmlns:a16="http://schemas.microsoft.com/office/drawing/2014/main" xmlns="" id="{96A1BB6D-5587-41B7-9D79-9F593186FD18}"/>
+                <a16:creationId xmlns:a16="http://schemas.microsoft.com/office/drawing/2014/main" id="{96A1BB6D-5587-41B7-9D79-9F593186FD18}"/>
               </a:ext>
             </a:extLst>
           </p:cNvPr>
@@ -19808,7 +19804,7 @@
           <p:cNvPr id="4" name="Title 3">
             <a:extLst>
               <a:ext uri="{FF2B5EF4-FFF2-40B4-BE49-F238E27FC236}">
-                <a16:creationId xmlns:a16="http://schemas.microsoft.com/office/drawing/2014/main" xmlns="" id="{6BE1B833-C4A9-4F76-BFBB-3F403ABC54EE}"/>
+                <a16:creationId xmlns:a16="http://schemas.microsoft.com/office/drawing/2014/main" id="{6BE1B833-C4A9-4F76-BFBB-3F403ABC54EE}"/>
               </a:ext>
             </a:extLst>
           </p:cNvPr>
@@ -19837,7 +19833,7 @@
           <p:cNvPr id="6" name="Slide Number">
             <a:extLst>
               <a:ext uri="{FF2B5EF4-FFF2-40B4-BE49-F238E27FC236}">
-                <a16:creationId xmlns:a16="http://schemas.microsoft.com/office/drawing/2014/main" xmlns="" id="{643F8128-C26A-47B3-94E5-6607D350A5D6}"/>
+                <a16:creationId xmlns:a16="http://schemas.microsoft.com/office/drawing/2014/main" id="{643F8128-C26A-47B3-94E5-6607D350A5D6}"/>
               </a:ext>
             </a:extLst>
           </p:cNvPr>
@@ -20094,7 +20090,7 @@
           <p:cNvPr id="2" name="Text Placeholder 1">
             <a:extLst>
               <a:ext uri="{FF2B5EF4-FFF2-40B4-BE49-F238E27FC236}">
-                <a16:creationId xmlns:a16="http://schemas.microsoft.com/office/drawing/2014/main" xmlns="" id="{D6F157CC-1B71-4E0A-8429-07EED8E9539F}"/>
+                <a16:creationId xmlns:a16="http://schemas.microsoft.com/office/drawing/2014/main" id="{D6F157CC-1B71-4E0A-8429-07EED8E9539F}"/>
               </a:ext>
             </a:extLst>
           </p:cNvPr>
@@ -20210,7 +20206,7 @@
           <p:cNvPr id="3" name="Title 2">
             <a:extLst>
               <a:ext uri="{FF2B5EF4-FFF2-40B4-BE49-F238E27FC236}">
-                <a16:creationId xmlns:a16="http://schemas.microsoft.com/office/drawing/2014/main" xmlns="" id="{D36E3D63-E2D2-468A-8090-7D44277DB79D}"/>
+                <a16:creationId xmlns:a16="http://schemas.microsoft.com/office/drawing/2014/main" id="{D36E3D63-E2D2-468A-8090-7D44277DB79D}"/>
               </a:ext>
             </a:extLst>
           </p:cNvPr>
@@ -20239,7 +20235,7 @@
           <p:cNvPr id="4" name="Slide Number">
             <a:extLst>
               <a:ext uri="{FF2B5EF4-FFF2-40B4-BE49-F238E27FC236}">
-                <a16:creationId xmlns:a16="http://schemas.microsoft.com/office/drawing/2014/main" xmlns="" id="{CC46AE1A-8BE1-4D00-A0A6-1C40CC255452}"/>
+                <a16:creationId xmlns:a16="http://schemas.microsoft.com/office/drawing/2014/main" id="{CC46AE1A-8BE1-4D00-A0A6-1C40CC255452}"/>
               </a:ext>
             </a:extLst>
           </p:cNvPr>
@@ -20447,7 +20443,7 @@
           <p:cNvPr id="2" name="Text Placeholder 1">
             <a:extLst>
               <a:ext uri="{FF2B5EF4-FFF2-40B4-BE49-F238E27FC236}">
-                <a16:creationId xmlns:a16="http://schemas.microsoft.com/office/drawing/2014/main" xmlns="" id="{D3B411F7-4EDB-4651-8FAF-236D4CABF22F}"/>
+                <a16:creationId xmlns:a16="http://schemas.microsoft.com/office/drawing/2014/main" id="{D3B411F7-4EDB-4651-8FAF-236D4CABF22F}"/>
               </a:ext>
             </a:extLst>
           </p:cNvPr>
@@ -20517,7 +20513,7 @@
           <p:cNvPr id="3" name="Title 2">
             <a:extLst>
               <a:ext uri="{FF2B5EF4-FFF2-40B4-BE49-F238E27FC236}">
-                <a16:creationId xmlns:a16="http://schemas.microsoft.com/office/drawing/2014/main" xmlns="" id="{62AB648F-07FC-4396-8CF4-4CEAEC8399D6}"/>
+                <a16:creationId xmlns:a16="http://schemas.microsoft.com/office/drawing/2014/main" id="{62AB648F-07FC-4396-8CF4-4CEAEC8399D6}"/>
               </a:ext>
             </a:extLst>
           </p:cNvPr>
@@ -20546,7 +20542,7 @@
           <p:cNvPr id="4" name="Rectangle 3">
             <a:extLst>
               <a:ext uri="{FF2B5EF4-FFF2-40B4-BE49-F238E27FC236}">
-                <a16:creationId xmlns:a16="http://schemas.microsoft.com/office/drawing/2014/main" xmlns="" id="{D0D64BDC-1DE7-447C-8CBB-B2DFF076F9BC}"/>
+                <a16:creationId xmlns:a16="http://schemas.microsoft.com/office/drawing/2014/main" id="{D0D64BDC-1DE7-447C-8CBB-B2DFF076F9BC}"/>
               </a:ext>
             </a:extLst>
           </p:cNvPr>
@@ -20611,7 +20607,7 @@
           <p:cNvPr id="5" name="Slide Number">
             <a:extLst>
               <a:ext uri="{FF2B5EF4-FFF2-40B4-BE49-F238E27FC236}">
-                <a16:creationId xmlns:a16="http://schemas.microsoft.com/office/drawing/2014/main" xmlns="" id="{EB585EAC-23BD-413B-912E-005DAC319636}"/>
+                <a16:creationId xmlns:a16="http://schemas.microsoft.com/office/drawing/2014/main" id="{EB585EAC-23BD-413B-912E-005DAC319636}"/>
               </a:ext>
             </a:extLst>
           </p:cNvPr>
@@ -20868,7 +20864,7 @@
           <p:cNvPr id="2" name="Text Placeholder 1">
             <a:extLst>
               <a:ext uri="{FF2B5EF4-FFF2-40B4-BE49-F238E27FC236}">
-                <a16:creationId xmlns:a16="http://schemas.microsoft.com/office/drawing/2014/main" xmlns="" id="{E129BC66-2BDC-413F-9EF2-7CA334013E93}"/>
+                <a16:creationId xmlns:a16="http://schemas.microsoft.com/office/drawing/2014/main" id="{E129BC66-2BDC-413F-9EF2-7CA334013E93}"/>
               </a:ext>
             </a:extLst>
           </p:cNvPr>
@@ -20990,7 +20986,7 @@
           <p:cNvPr id="3" name="Title 2">
             <a:extLst>
               <a:ext uri="{FF2B5EF4-FFF2-40B4-BE49-F238E27FC236}">
-                <a16:creationId xmlns:a16="http://schemas.microsoft.com/office/drawing/2014/main" xmlns="" id="{7159E2CD-9934-46E3-9B6D-026CBDAB521B}"/>
+                <a16:creationId xmlns:a16="http://schemas.microsoft.com/office/drawing/2014/main" id="{7159E2CD-9934-46E3-9B6D-026CBDAB521B}"/>
               </a:ext>
             </a:extLst>
           </p:cNvPr>
@@ -21019,7 +21015,7 @@
           <p:cNvPr id="4" name="Rectangle 3">
             <a:extLst>
               <a:ext uri="{FF2B5EF4-FFF2-40B4-BE49-F238E27FC236}">
-                <a16:creationId xmlns:a16="http://schemas.microsoft.com/office/drawing/2014/main" xmlns="" id="{A933BBD6-C00D-4A39-BB5F-2EF6C1B98CA2}"/>
+                <a16:creationId xmlns:a16="http://schemas.microsoft.com/office/drawing/2014/main" id="{A933BBD6-C00D-4A39-BB5F-2EF6C1B98CA2}"/>
               </a:ext>
             </a:extLst>
           </p:cNvPr>
@@ -21072,7 +21068,7 @@
           <p:cNvPr id="5" name="Slide Number">
             <a:extLst>
               <a:ext uri="{FF2B5EF4-FFF2-40B4-BE49-F238E27FC236}">
-                <a16:creationId xmlns:a16="http://schemas.microsoft.com/office/drawing/2014/main" xmlns="" id="{11802FC2-F2D0-4496-8C2F-E54EF4503CE0}"/>
+                <a16:creationId xmlns:a16="http://schemas.microsoft.com/office/drawing/2014/main" id="{11802FC2-F2D0-4496-8C2F-E54EF4503CE0}"/>
               </a:ext>
             </a:extLst>
           </p:cNvPr>
@@ -21360,7 +21356,7 @@
           <p:cNvPr id="5" name="Text Placeholder 4">
             <a:extLst>
               <a:ext uri="{FF2B5EF4-FFF2-40B4-BE49-F238E27FC236}">
-                <a16:creationId xmlns:a16="http://schemas.microsoft.com/office/drawing/2014/main" xmlns="" id="{0A744D25-4E5E-4CA9-816F-30021497E6AB}"/>
+                <a16:creationId xmlns:a16="http://schemas.microsoft.com/office/drawing/2014/main" id="{0A744D25-4E5E-4CA9-816F-30021497E6AB}"/>
               </a:ext>
             </a:extLst>
           </p:cNvPr>
@@ -21439,7 +21435,7 @@
           <p:cNvPr id="4" name="Title 3">
             <a:extLst>
               <a:ext uri="{FF2B5EF4-FFF2-40B4-BE49-F238E27FC236}">
-                <a16:creationId xmlns:a16="http://schemas.microsoft.com/office/drawing/2014/main" xmlns="" id="{66171887-5EF3-4E3E-9ED2-802B272B978F}"/>
+                <a16:creationId xmlns:a16="http://schemas.microsoft.com/office/drawing/2014/main" id="{66171887-5EF3-4E3E-9ED2-802B272B978F}"/>
               </a:ext>
             </a:extLst>
           </p:cNvPr>
@@ -21468,7 +21464,7 @@
           <p:cNvPr id="6" name="Rectangle 3">
             <a:extLst>
               <a:ext uri="{FF2B5EF4-FFF2-40B4-BE49-F238E27FC236}">
-                <a16:creationId xmlns:a16="http://schemas.microsoft.com/office/drawing/2014/main" xmlns="" id="{64BAB0D4-27D8-4CE5-BD3E-96A55812B30D}"/>
+                <a16:creationId xmlns:a16="http://schemas.microsoft.com/office/drawing/2014/main" id="{64BAB0D4-27D8-4CE5-BD3E-96A55812B30D}"/>
               </a:ext>
             </a:extLst>
           </p:cNvPr>
@@ -21603,7 +21599,7 @@
           <p:cNvPr id="7" name="Slide Number">
             <a:extLst>
               <a:ext uri="{FF2B5EF4-FFF2-40B4-BE49-F238E27FC236}">
-                <a16:creationId xmlns:a16="http://schemas.microsoft.com/office/drawing/2014/main" xmlns="" id="{A9C73ACA-F285-434D-80C1-DA8264B42317}"/>
+                <a16:creationId xmlns:a16="http://schemas.microsoft.com/office/drawing/2014/main" id="{A9C73ACA-F285-434D-80C1-DA8264B42317}"/>
               </a:ext>
             </a:extLst>
           </p:cNvPr>
@@ -21890,7 +21886,7 @@
           <p:cNvPr id="6" name="Picture 5">
             <a:extLst>
               <a:ext uri="{FF2B5EF4-FFF2-40B4-BE49-F238E27FC236}">
-                <a16:creationId xmlns:a16="http://schemas.microsoft.com/office/drawing/2014/main" xmlns="" id="{799E6ECB-A6C9-46C1-AF83-5DD93A57723D}"/>
+                <a16:creationId xmlns:a16="http://schemas.microsoft.com/office/drawing/2014/main" id="{799E6ECB-A6C9-46C1-AF83-5DD93A57723D}"/>
               </a:ext>
             </a:extLst>
           </p:cNvPr>
@@ -21926,7 +21922,7 @@
           <p:cNvPr id="3" name="Заглавие 2">
             <a:extLst>
               <a:ext uri="{FF2B5EF4-FFF2-40B4-BE49-F238E27FC236}">
-                <a16:creationId xmlns:a16="http://schemas.microsoft.com/office/drawing/2014/main" xmlns="" id="{1D9D0FF7-C8C0-4C15-BBD0-2DF35CEB2B4C}"/>
+                <a16:creationId xmlns:a16="http://schemas.microsoft.com/office/drawing/2014/main" id="{1D9D0FF7-C8C0-4C15-BBD0-2DF35CEB2B4C}"/>
               </a:ext>
             </a:extLst>
           </p:cNvPr>
@@ -21992,7 +21988,7 @@
           <p:cNvPr id="14" name="Text Placeholder 4">
             <a:extLst>
               <a:ext uri="{FF2B5EF4-FFF2-40B4-BE49-F238E27FC236}">
-                <a16:creationId xmlns:a16="http://schemas.microsoft.com/office/drawing/2014/main" xmlns="" id="{0E49D336-45B6-44D3-97C4-E28F8DEA2022}"/>
+                <a16:creationId xmlns:a16="http://schemas.microsoft.com/office/drawing/2014/main" id="{0E49D336-45B6-44D3-97C4-E28F8DEA2022}"/>
               </a:ext>
             </a:extLst>
           </p:cNvPr>
@@ -22116,7 +22112,7 @@
           <p:cNvPr id="9" name="Group 8">
             <a:extLst>
               <a:ext uri="{FF2B5EF4-FFF2-40B4-BE49-F238E27FC236}">
-                <a16:creationId xmlns:a16="http://schemas.microsoft.com/office/drawing/2014/main" xmlns="" id="{EBAFE522-EB7D-4931-A015-9A7E8A98517D}"/>
+                <a16:creationId xmlns:a16="http://schemas.microsoft.com/office/drawing/2014/main" id="{EBAFE522-EB7D-4931-A015-9A7E8A98517D}"/>
               </a:ext>
             </a:extLst>
           </p:cNvPr>
@@ -22136,7 +22132,7 @@
             <p:cNvPr id="10" name="Rounded Rectangle 10">
               <a:extLst>
                 <a:ext uri="{FF2B5EF4-FFF2-40B4-BE49-F238E27FC236}">
-                  <a16:creationId xmlns:a16="http://schemas.microsoft.com/office/drawing/2014/main" xmlns="" id="{18F78F23-3D09-4B63-8DF9-D49CFBB145EE}"/>
+                  <a16:creationId xmlns:a16="http://schemas.microsoft.com/office/drawing/2014/main" id="{18F78F23-3D09-4B63-8DF9-D49CFBB145EE}"/>
                 </a:ext>
               </a:extLst>
             </p:cNvPr>
@@ -22198,7 +22194,7 @@
             <p:cNvPr id="11" name="Rounded Rectangle 16">
               <a:extLst>
                 <a:ext uri="{FF2B5EF4-FFF2-40B4-BE49-F238E27FC236}">
-                  <a16:creationId xmlns:a16="http://schemas.microsoft.com/office/drawing/2014/main" xmlns="" id="{F12C06CE-2BBE-46C2-B718-813794C58DF9}"/>
+                  <a16:creationId xmlns:a16="http://schemas.microsoft.com/office/drawing/2014/main" id="{F12C06CE-2BBE-46C2-B718-813794C58DF9}"/>
                 </a:ext>
               </a:extLst>
             </p:cNvPr>
@@ -22262,7 +22258,7 @@
             <p:cNvPr id="12" name="Half Frame 11">
               <a:extLst>
                 <a:ext uri="{FF2B5EF4-FFF2-40B4-BE49-F238E27FC236}">
-                  <a16:creationId xmlns:a16="http://schemas.microsoft.com/office/drawing/2014/main" xmlns="" id="{66CDBB1E-AF3C-43FC-9F34-2DD691F81726}"/>
+                  <a16:creationId xmlns:a16="http://schemas.microsoft.com/office/drawing/2014/main" id="{66CDBB1E-AF3C-43FC-9F34-2DD691F81726}"/>
                 </a:ext>
               </a:extLst>
             </p:cNvPr>
@@ -22328,7 +22324,7 @@
           <p:cNvPr id="13" name="Picture 12">
             <a:extLst>
               <a:ext uri="{FF2B5EF4-FFF2-40B4-BE49-F238E27FC236}">
-                <a16:creationId xmlns:a16="http://schemas.microsoft.com/office/drawing/2014/main" xmlns="" id="{CCC3A316-993C-4741-8826-E104F27650A3}"/>
+                <a16:creationId xmlns:a16="http://schemas.microsoft.com/office/drawing/2014/main" id="{CCC3A316-993C-4741-8826-E104F27650A3}"/>
               </a:ext>
             </a:extLst>
           </p:cNvPr>
@@ -22363,7 +22359,7 @@
           <p:cNvPr id="16" name="Content Placeholder 4">
             <a:extLst>
               <a:ext uri="{FF2B5EF4-FFF2-40B4-BE49-F238E27FC236}">
-                <a16:creationId xmlns:a16="http://schemas.microsoft.com/office/drawing/2014/main" xmlns="" id="{E1D6359B-1015-4AF9-935A-27FEF5B96141}"/>
+                <a16:creationId xmlns:a16="http://schemas.microsoft.com/office/drawing/2014/main" id="{E1D6359B-1015-4AF9-935A-27FEF5B96141}"/>
               </a:ext>
             </a:extLst>
           </p:cNvPr>
@@ -22786,7 +22782,7 @@
           <p:cNvPr id="15" name="Slide Number">
             <a:extLst>
               <a:ext uri="{FF2B5EF4-FFF2-40B4-BE49-F238E27FC236}">
-                <a16:creationId xmlns:a16="http://schemas.microsoft.com/office/drawing/2014/main" xmlns="" id="{AB10E091-DC18-4D8C-8C78-CFEE62F90A88}"/>
+                <a16:creationId xmlns:a16="http://schemas.microsoft.com/office/drawing/2014/main" id="{AB10E091-DC18-4D8C-8C78-CFEE62F90A88}"/>
               </a:ext>
             </a:extLst>
           </p:cNvPr>
@@ -23092,7 +23088,7 @@
           <p:cNvPr id="14" name="Text Placeholder 4">
             <a:extLst>
               <a:ext uri="{FF2B5EF4-FFF2-40B4-BE49-F238E27FC236}">
-                <a16:creationId xmlns:a16="http://schemas.microsoft.com/office/drawing/2014/main" xmlns="" id="{0E49D336-45B6-44D3-97C4-E28F8DEA2022}"/>
+                <a16:creationId xmlns:a16="http://schemas.microsoft.com/office/drawing/2014/main" id="{0E49D336-45B6-44D3-97C4-E28F8DEA2022}"/>
               </a:ext>
             </a:extLst>
           </p:cNvPr>
@@ -23216,7 +23212,7 @@
           <p:cNvPr id="9" name="Group 8">
             <a:extLst>
               <a:ext uri="{FF2B5EF4-FFF2-40B4-BE49-F238E27FC236}">
-                <a16:creationId xmlns:a16="http://schemas.microsoft.com/office/drawing/2014/main" xmlns="" id="{EBAFE522-EB7D-4931-A015-9A7E8A98517D}"/>
+                <a16:creationId xmlns:a16="http://schemas.microsoft.com/office/drawing/2014/main" id="{EBAFE522-EB7D-4931-A015-9A7E8A98517D}"/>
               </a:ext>
             </a:extLst>
           </p:cNvPr>
@@ -23236,7 +23232,7 @@
             <p:cNvPr id="10" name="Rounded Rectangle 10">
               <a:extLst>
                 <a:ext uri="{FF2B5EF4-FFF2-40B4-BE49-F238E27FC236}">
-                  <a16:creationId xmlns:a16="http://schemas.microsoft.com/office/drawing/2014/main" xmlns="" id="{18F78F23-3D09-4B63-8DF9-D49CFBB145EE}"/>
+                  <a16:creationId xmlns:a16="http://schemas.microsoft.com/office/drawing/2014/main" id="{18F78F23-3D09-4B63-8DF9-D49CFBB145EE}"/>
                 </a:ext>
               </a:extLst>
             </p:cNvPr>
@@ -23298,7 +23294,7 @@
             <p:cNvPr id="11" name="Rounded Rectangle 16">
               <a:extLst>
                 <a:ext uri="{FF2B5EF4-FFF2-40B4-BE49-F238E27FC236}">
-                  <a16:creationId xmlns:a16="http://schemas.microsoft.com/office/drawing/2014/main" xmlns="" id="{F12C06CE-2BBE-46C2-B718-813794C58DF9}"/>
+                  <a16:creationId xmlns:a16="http://schemas.microsoft.com/office/drawing/2014/main" id="{F12C06CE-2BBE-46C2-B718-813794C58DF9}"/>
                 </a:ext>
               </a:extLst>
             </p:cNvPr>
@@ -23362,7 +23358,7 @@
             <p:cNvPr id="12" name="Half Frame 11">
               <a:extLst>
                 <a:ext uri="{FF2B5EF4-FFF2-40B4-BE49-F238E27FC236}">
-                  <a16:creationId xmlns:a16="http://schemas.microsoft.com/office/drawing/2014/main" xmlns="" id="{66CDBB1E-AF3C-43FC-9F34-2DD691F81726}"/>
+                  <a16:creationId xmlns:a16="http://schemas.microsoft.com/office/drawing/2014/main" id="{66CDBB1E-AF3C-43FC-9F34-2DD691F81726}"/>
                 </a:ext>
               </a:extLst>
             </p:cNvPr>
@@ -23428,7 +23424,7 @@
           <p:cNvPr id="13" name="Picture 12">
             <a:extLst>
               <a:ext uri="{FF2B5EF4-FFF2-40B4-BE49-F238E27FC236}">
-                <a16:creationId xmlns:a16="http://schemas.microsoft.com/office/drawing/2014/main" xmlns="" id="{CCC3A316-993C-4741-8826-E104F27650A3}"/>
+                <a16:creationId xmlns:a16="http://schemas.microsoft.com/office/drawing/2014/main" id="{CCC3A316-993C-4741-8826-E104F27650A3}"/>
               </a:ext>
             </a:extLst>
           </p:cNvPr>
@@ -23463,7 +23459,7 @@
           <p:cNvPr id="16" name="Content Placeholder 4">
             <a:extLst>
               <a:ext uri="{FF2B5EF4-FFF2-40B4-BE49-F238E27FC236}">
-                <a16:creationId xmlns:a16="http://schemas.microsoft.com/office/drawing/2014/main" xmlns="" id="{E1D6359B-1015-4AF9-935A-27FEF5B96141}"/>
+                <a16:creationId xmlns:a16="http://schemas.microsoft.com/office/drawing/2014/main" id="{E1D6359B-1015-4AF9-935A-27FEF5B96141}"/>
               </a:ext>
             </a:extLst>
           </p:cNvPr>
@@ -23741,7 +23737,7 @@
           <p:cNvPr id="15" name="Slide Number">
             <a:extLst>
               <a:ext uri="{FF2B5EF4-FFF2-40B4-BE49-F238E27FC236}">
-                <a16:creationId xmlns:a16="http://schemas.microsoft.com/office/drawing/2014/main" xmlns="" id="{C121192A-D620-4804-9FFA-F10BD77EDA1D}"/>
+                <a16:creationId xmlns:a16="http://schemas.microsoft.com/office/drawing/2014/main" id="{C121192A-D620-4804-9FFA-F10BD77EDA1D}"/>
               </a:ext>
             </a:extLst>
           </p:cNvPr>
@@ -24118,7 +24114,7 @@
           <p:cNvPr id="7" name="Slide Number">
             <a:extLst>
               <a:ext uri="{FF2B5EF4-FFF2-40B4-BE49-F238E27FC236}">
-                <a16:creationId xmlns:a16="http://schemas.microsoft.com/office/drawing/2014/main" xmlns="" id="{992D47E6-27F7-457B-ABF6-09AF7239DC12}"/>
+                <a16:creationId xmlns:a16="http://schemas.microsoft.com/office/drawing/2014/main" id="{992D47E6-27F7-457B-ABF6-09AF7239DC12}"/>
               </a:ext>
             </a:extLst>
           </p:cNvPr>
@@ -24414,7 +24410,7 @@
           <p:cNvPr id="5" name="Slide Title">
             <a:extLst>
               <a:ext uri="{FF2B5EF4-FFF2-40B4-BE49-F238E27FC236}">
-                <a16:creationId xmlns:a16="http://schemas.microsoft.com/office/drawing/2014/main" xmlns="" id="{FA0703FC-0F8F-4C80-A615-E4B381EC0E0C}"/>
+                <a16:creationId xmlns:a16="http://schemas.microsoft.com/office/drawing/2014/main" id="{FA0703FC-0F8F-4C80-A615-E4B381EC0E0C}"/>
               </a:ext>
             </a:extLst>
           </p:cNvPr>
@@ -24486,7 +24482,7 @@
             <a:hlinkClick r:id="rId3"/>
             <a:extLst>
               <a:ext uri="{FF2B5EF4-FFF2-40B4-BE49-F238E27FC236}">
-                <a16:creationId xmlns:a16="http://schemas.microsoft.com/office/drawing/2014/main" xmlns="" id="{0AF62E5C-3C23-4584-BDE7-6E4BD5C13DE0}"/>
+                <a16:creationId xmlns:a16="http://schemas.microsoft.com/office/drawing/2014/main" id="{0AF62E5C-3C23-4584-BDE7-6E4BD5C13DE0}"/>
               </a:ext>
             </a:extLst>
           </p:cNvPr>
@@ -24547,7 +24543,7 @@
           <p:cNvPr id="17" name="Slide Number">
             <a:extLst>
               <a:ext uri="{FF2B5EF4-FFF2-40B4-BE49-F238E27FC236}">
-                <a16:creationId xmlns:a16="http://schemas.microsoft.com/office/drawing/2014/main" xmlns="" id="{C1780DB1-0AF0-4108-AFE1-9DA99F0DBCB8}"/>
+                <a16:creationId xmlns:a16="http://schemas.microsoft.com/office/drawing/2014/main" id="{C1780DB1-0AF0-4108-AFE1-9DA99F0DBCB8}"/>
               </a:ext>
             </a:extLst>
           </p:cNvPr>
@@ -24602,7 +24598,7 @@
             <a:hlinkClick r:id="rId5"/>
             <a:extLst>
               <a:ext uri="{FF2B5EF4-FFF2-40B4-BE49-F238E27FC236}">
-                <a16:creationId xmlns:a16="http://schemas.microsoft.com/office/drawing/2014/main" xmlns="" id="{DDAC6746-8290-4A8F-8F83-D9D2CC3191F7}"/>
+                <a16:creationId xmlns:a16="http://schemas.microsoft.com/office/drawing/2014/main" id="{DDAC6746-8290-4A8F-8F83-D9D2CC3191F7}"/>
               </a:ext>
             </a:extLst>
           </p:cNvPr>
@@ -24639,7 +24635,7 @@
             <a:hlinkClick r:id="rId7"/>
             <a:extLst>
               <a:ext uri="{FF2B5EF4-FFF2-40B4-BE49-F238E27FC236}">
-                <a16:creationId xmlns:a16="http://schemas.microsoft.com/office/drawing/2014/main" xmlns="" id="{B21B8F18-2E13-41E7-B73D-7F8307BFC68D}"/>
+                <a16:creationId xmlns:a16="http://schemas.microsoft.com/office/drawing/2014/main" id="{B21B8F18-2E13-41E7-B73D-7F8307BFC68D}"/>
               </a:ext>
             </a:extLst>
           </p:cNvPr>
@@ -24675,7 +24671,7 @@
             <a:hlinkClick r:id="rId9"/>
             <a:extLst>
               <a:ext uri="{FF2B5EF4-FFF2-40B4-BE49-F238E27FC236}">
-                <a16:creationId xmlns:a16="http://schemas.microsoft.com/office/drawing/2014/main" xmlns="" id="{27F4147E-5CB1-40B2-846E-5761FF7702D4}"/>
+                <a16:creationId xmlns:a16="http://schemas.microsoft.com/office/drawing/2014/main" id="{27F4147E-5CB1-40B2-846E-5761FF7702D4}"/>
               </a:ext>
             </a:extLst>
           </p:cNvPr>
@@ -24711,7 +24707,7 @@
             <a:hlinkClick r:id="rId11"/>
             <a:extLst>
               <a:ext uri="{FF2B5EF4-FFF2-40B4-BE49-F238E27FC236}">
-                <a16:creationId xmlns:a16="http://schemas.microsoft.com/office/drawing/2014/main" xmlns="" id="{5A1E508F-C6CB-4D9A-969C-B1A3A42AFA3F}"/>
+                <a16:creationId xmlns:a16="http://schemas.microsoft.com/office/drawing/2014/main" id="{5A1E508F-C6CB-4D9A-969C-B1A3A42AFA3F}"/>
               </a:ext>
             </a:extLst>
           </p:cNvPr>
@@ -24727,7 +24723,7 @@
                 <a14:useLocalDpi xmlns:a14="http://schemas.microsoft.com/office/drawing/2010/main" val="0"/>
               </a:ext>
               <a:ext uri="{96DAC541-7B7A-43D3-8B79-37D633B846F1}">
-                <asvg:svgBlip xmlns:asvg="http://schemas.microsoft.com/office/drawing/2016/SVG/main" xmlns="" r:embed="rId13"/>
+                <asvg:svgBlip xmlns:asvg="http://schemas.microsoft.com/office/drawing/2016/SVG/main" r:embed="rId13"/>
               </a:ext>
             </a:extLst>
           </a:blip>
@@ -24751,7 +24747,7 @@
             <a:hlinkClick r:id="rId14"/>
             <a:extLst>
               <a:ext uri="{FF2B5EF4-FFF2-40B4-BE49-F238E27FC236}">
-                <a16:creationId xmlns:a16="http://schemas.microsoft.com/office/drawing/2014/main" xmlns="" id="{17C73AA0-41B2-47EE-BD53-AB9EB7E942EA}"/>
+                <a16:creationId xmlns:a16="http://schemas.microsoft.com/office/drawing/2014/main" id="{17C73AA0-41B2-47EE-BD53-AB9EB7E942EA}"/>
               </a:ext>
             </a:extLst>
           </p:cNvPr>
@@ -24788,7 +24784,7 @@
             <a:hlinkClick r:id="rId16"/>
             <a:extLst>
               <a:ext uri="{FF2B5EF4-FFF2-40B4-BE49-F238E27FC236}">
-                <a16:creationId xmlns:a16="http://schemas.microsoft.com/office/drawing/2014/main" xmlns="" id="{52A556A1-263D-4511-AD59-755C2920082A}"/>
+                <a16:creationId xmlns:a16="http://schemas.microsoft.com/office/drawing/2014/main" id="{52A556A1-263D-4511-AD59-755C2920082A}"/>
               </a:ext>
             </a:extLst>
           </p:cNvPr>
@@ -24825,7 +24821,7 @@
             <a:hlinkClick r:id="rId18"/>
             <a:extLst>
               <a:ext uri="{FF2B5EF4-FFF2-40B4-BE49-F238E27FC236}">
-                <a16:creationId xmlns:a16="http://schemas.microsoft.com/office/drawing/2014/main" xmlns="" id="{C225AB77-E094-4E2B-BB12-9C4A40924AD0}"/>
+                <a16:creationId xmlns:a16="http://schemas.microsoft.com/office/drawing/2014/main" id="{C225AB77-E094-4E2B-BB12-9C4A40924AD0}"/>
               </a:ext>
             </a:extLst>
           </p:cNvPr>
@@ -24862,7 +24858,7 @@
             <a:hlinkClick r:id="rId20"/>
             <a:extLst>
               <a:ext uri="{FF2B5EF4-FFF2-40B4-BE49-F238E27FC236}">
-                <a16:creationId xmlns:a16="http://schemas.microsoft.com/office/drawing/2014/main" xmlns="" id="{46857021-465D-4AF3-A5D9-E463341892A4}"/>
+                <a16:creationId xmlns:a16="http://schemas.microsoft.com/office/drawing/2014/main" id="{46857021-465D-4AF3-A5D9-E463341892A4}"/>
               </a:ext>
             </a:extLst>
           </p:cNvPr>
@@ -24899,7 +24895,7 @@
             <a:hlinkClick r:id="rId22"/>
             <a:extLst>
               <a:ext uri="{FF2B5EF4-FFF2-40B4-BE49-F238E27FC236}">
-                <a16:creationId xmlns:a16="http://schemas.microsoft.com/office/drawing/2014/main" xmlns="" id="{5E709AC7-B7B0-49BF-8B4E-F7F901D8F2C9}"/>
+                <a16:creationId xmlns:a16="http://schemas.microsoft.com/office/drawing/2014/main" id="{5E709AC7-B7B0-49BF-8B4E-F7F901D8F2C9}"/>
               </a:ext>
             </a:extLst>
           </p:cNvPr>
@@ -24935,7 +24931,7 @@
           <p:cNvPr id="4" name="Правоъгълник: със заоблени ъгли 3">
             <a:extLst>
               <a:ext uri="{FF2B5EF4-FFF2-40B4-BE49-F238E27FC236}">
-                <a16:creationId xmlns:a16="http://schemas.microsoft.com/office/drawing/2014/main" xmlns="" id="{4B2E664D-34CE-4624-96B0-08133D588765}"/>
+                <a16:creationId xmlns:a16="http://schemas.microsoft.com/office/drawing/2014/main" id="{4B2E664D-34CE-4624-96B0-08133D588765}"/>
               </a:ext>
             </a:extLst>
           </p:cNvPr>
@@ -24993,7 +24989,7 @@
           <p:cNvPr id="33" name="Правоъгълник: със заоблени ъгли 32">
             <a:extLst>
               <a:ext uri="{FF2B5EF4-FFF2-40B4-BE49-F238E27FC236}">
-                <a16:creationId xmlns:a16="http://schemas.microsoft.com/office/drawing/2014/main" xmlns="" id="{15D52253-22B4-432B-AE29-46607BA48C1B}"/>
+                <a16:creationId xmlns:a16="http://schemas.microsoft.com/office/drawing/2014/main" id="{15D52253-22B4-432B-AE29-46607BA48C1B}"/>
               </a:ext>
             </a:extLst>
           </p:cNvPr>
@@ -25051,7 +25047,7 @@
           <p:cNvPr id="34" name="Правоъгълник: със заоблени ъгли 33">
             <a:extLst>
               <a:ext uri="{FF2B5EF4-FFF2-40B4-BE49-F238E27FC236}">
-                <a16:creationId xmlns:a16="http://schemas.microsoft.com/office/drawing/2014/main" xmlns="" id="{A8F1DB11-DA78-4E16-9C9F-90E1E27602EE}"/>
+                <a16:creationId xmlns:a16="http://schemas.microsoft.com/office/drawing/2014/main" id="{A8F1DB11-DA78-4E16-9C9F-90E1E27602EE}"/>
               </a:ext>
             </a:extLst>
           </p:cNvPr>
@@ -25109,7 +25105,7 @@
           <p:cNvPr id="35" name="Правоъгълник: със заоблени ъгли 34">
             <a:extLst>
               <a:ext uri="{FF2B5EF4-FFF2-40B4-BE49-F238E27FC236}">
-                <a16:creationId xmlns:a16="http://schemas.microsoft.com/office/drawing/2014/main" xmlns="" id="{5B2FDF04-F045-4CE7-A1A3-CD65D4C9EF12}"/>
+                <a16:creationId xmlns:a16="http://schemas.microsoft.com/office/drawing/2014/main" id="{5B2FDF04-F045-4CE7-A1A3-CD65D4C9EF12}"/>
               </a:ext>
             </a:extLst>
           </p:cNvPr>
@@ -25167,7 +25163,7 @@
           <p:cNvPr id="38" name="Правоъгълник: със заоблени ъгли 37">
             <a:extLst>
               <a:ext uri="{FF2B5EF4-FFF2-40B4-BE49-F238E27FC236}">
-                <a16:creationId xmlns:a16="http://schemas.microsoft.com/office/drawing/2014/main" xmlns="" id="{505A8F0D-1FEE-450F-B082-DACD2664D654}"/>
+                <a16:creationId xmlns:a16="http://schemas.microsoft.com/office/drawing/2014/main" id="{505A8F0D-1FEE-450F-B082-DACD2664D654}"/>
               </a:ext>
             </a:extLst>
           </p:cNvPr>
@@ -25225,7 +25221,7 @@
           <p:cNvPr id="39" name="Правоъгълник: със заоблени ъгли 38">
             <a:extLst>
               <a:ext uri="{FF2B5EF4-FFF2-40B4-BE49-F238E27FC236}">
-                <a16:creationId xmlns:a16="http://schemas.microsoft.com/office/drawing/2014/main" xmlns="" id="{A5395705-B8C4-43E3-B1BF-0CAFF5185132}"/>
+                <a16:creationId xmlns:a16="http://schemas.microsoft.com/office/drawing/2014/main" id="{A5395705-B8C4-43E3-B1BF-0CAFF5185132}"/>
               </a:ext>
             </a:extLst>
           </p:cNvPr>
@@ -25283,7 +25279,7 @@
           <p:cNvPr id="40" name="Правоъгълник: със заоблени ъгли 39">
             <a:extLst>
               <a:ext uri="{FF2B5EF4-FFF2-40B4-BE49-F238E27FC236}">
-                <a16:creationId xmlns:a16="http://schemas.microsoft.com/office/drawing/2014/main" xmlns="" id="{D7B735E6-CA8E-4143-9716-82D3FC28F074}"/>
+                <a16:creationId xmlns:a16="http://schemas.microsoft.com/office/drawing/2014/main" id="{D7B735E6-CA8E-4143-9716-82D3FC28F074}"/>
               </a:ext>
             </a:extLst>
           </p:cNvPr>
@@ -25341,7 +25337,7 @@
           <p:cNvPr id="41" name="Правоъгълник: със заоблени ъгли 40">
             <a:extLst>
               <a:ext uri="{FF2B5EF4-FFF2-40B4-BE49-F238E27FC236}">
-                <a16:creationId xmlns:a16="http://schemas.microsoft.com/office/drawing/2014/main" xmlns="" id="{98058E56-E475-47D9-89C2-C8CB0E5D652F}"/>
+                <a16:creationId xmlns:a16="http://schemas.microsoft.com/office/drawing/2014/main" id="{98058E56-E475-47D9-89C2-C8CB0E5D652F}"/>
               </a:ext>
             </a:extLst>
           </p:cNvPr>
@@ -25399,7 +25395,7 @@
           <p:cNvPr id="42" name="Правоъгълник: със заоблени ъгли 41">
             <a:extLst>
               <a:ext uri="{FF2B5EF4-FFF2-40B4-BE49-F238E27FC236}">
-                <a16:creationId xmlns:a16="http://schemas.microsoft.com/office/drawing/2014/main" xmlns="" id="{9FC8187E-1E0E-420C-B164-CB0C0142FE9A}"/>
+                <a16:creationId xmlns:a16="http://schemas.microsoft.com/office/drawing/2014/main" id="{9FC8187E-1E0E-420C-B164-CB0C0142FE9A}"/>
               </a:ext>
             </a:extLst>
           </p:cNvPr>
@@ -25457,7 +25453,7 @@
           <p:cNvPr id="43" name="Правоъгълник: със заоблени ъгли 42">
             <a:extLst>
               <a:ext uri="{FF2B5EF4-FFF2-40B4-BE49-F238E27FC236}">
-                <a16:creationId xmlns:a16="http://schemas.microsoft.com/office/drawing/2014/main" xmlns="" id="{72C8EE5E-79E5-4B38-8344-E06DA495F6FF}"/>
+                <a16:creationId xmlns:a16="http://schemas.microsoft.com/office/drawing/2014/main" id="{72C8EE5E-79E5-4B38-8344-E06DA495F6FF}"/>
               </a:ext>
             </a:extLst>
           </p:cNvPr>
@@ -25553,7 +25549,7 @@
           <p:cNvPr id="2" name="Slide Number Placeholder 1">
             <a:extLst>
               <a:ext uri="{FF2B5EF4-FFF2-40B4-BE49-F238E27FC236}">
-                <a16:creationId xmlns:a16="http://schemas.microsoft.com/office/drawing/2014/main" xmlns="" id="{FB0D5FB3-68F2-49D8-A153-8BAD1305EF08}"/>
+                <a16:creationId xmlns:a16="http://schemas.microsoft.com/office/drawing/2014/main" id="{FB0D5FB3-68F2-49D8-A153-8BAD1305EF08}"/>
               </a:ext>
             </a:extLst>
           </p:cNvPr>
@@ -25583,7 +25579,7 @@
           <p:cNvPr id="4" name="Title 3">
             <a:extLst>
               <a:ext uri="{FF2B5EF4-FFF2-40B4-BE49-F238E27FC236}">
-                <a16:creationId xmlns:a16="http://schemas.microsoft.com/office/drawing/2014/main" xmlns="" id="{DE22D599-06AA-45AE-9605-321A51F18F4E}"/>
+                <a16:creationId xmlns:a16="http://schemas.microsoft.com/office/drawing/2014/main" id="{DE22D599-06AA-45AE-9605-321A51F18F4E}"/>
               </a:ext>
             </a:extLst>
           </p:cNvPr>
@@ -25611,7 +25607,7 @@
           <p:cNvPr id="5" name="Group 4">
             <a:extLst>
               <a:ext uri="{FF2B5EF4-FFF2-40B4-BE49-F238E27FC236}">
-                <a16:creationId xmlns:a16="http://schemas.microsoft.com/office/drawing/2014/main" xmlns="" id="{6AF0F47A-D5A2-4B58-86D3-231F6505307D}"/>
+                <a16:creationId xmlns:a16="http://schemas.microsoft.com/office/drawing/2014/main" id="{6AF0F47A-D5A2-4B58-86D3-231F6505307D}"/>
               </a:ext>
             </a:extLst>
           </p:cNvPr>
@@ -25632,7 +25628,7 @@
             <p:cNvPr id="6" name="Rectangle: Rounded Corners 5">
               <a:extLst>
                 <a:ext uri="{FF2B5EF4-FFF2-40B4-BE49-F238E27FC236}">
-                  <a16:creationId xmlns:a16="http://schemas.microsoft.com/office/drawing/2014/main" xmlns="" id="{CF57B284-4FEE-41B6-B60C-8DED6CE13211}"/>
+                  <a16:creationId xmlns:a16="http://schemas.microsoft.com/office/drawing/2014/main" id="{CF57B284-4FEE-41B6-B60C-8DED6CE13211}"/>
                 </a:ext>
               </a:extLst>
             </p:cNvPr>
@@ -25704,7 +25700,7 @@
               <a:hlinkClick r:id="rId2"/>
               <a:extLst>
                 <a:ext uri="{FF2B5EF4-FFF2-40B4-BE49-F238E27FC236}">
-                  <a16:creationId xmlns:a16="http://schemas.microsoft.com/office/drawing/2014/main" xmlns="" id="{69E679E8-FC9D-4497-AFC1-FB5389A83D91}"/>
+                  <a16:creationId xmlns:a16="http://schemas.microsoft.com/office/drawing/2014/main" id="{69E679E8-FC9D-4497-AFC1-FB5389A83D91}"/>
                 </a:ext>
               </a:extLst>
             </p:cNvPr>
@@ -25742,7 +25738,7 @@
           <p:cNvPr id="15" name="Group 14">
             <a:extLst>
               <a:ext uri="{FF2B5EF4-FFF2-40B4-BE49-F238E27FC236}">
-                <a16:creationId xmlns:a16="http://schemas.microsoft.com/office/drawing/2014/main" xmlns="" id="{32480B9A-F55F-41E5-97E2-8DF2421AADCE}"/>
+                <a16:creationId xmlns:a16="http://schemas.microsoft.com/office/drawing/2014/main" id="{32480B9A-F55F-41E5-97E2-8DF2421AADCE}"/>
               </a:ext>
             </a:extLst>
           </p:cNvPr>
@@ -25763,7 +25759,7 @@
             <p:cNvPr id="14" name="Rectangle: Rounded Corners 13">
               <a:extLst>
                 <a:ext uri="{FF2B5EF4-FFF2-40B4-BE49-F238E27FC236}">
-                  <a16:creationId xmlns:a16="http://schemas.microsoft.com/office/drawing/2014/main" xmlns="" id="{948BF3FF-FC23-42AF-80BB-6EF6A2E7D2DE}"/>
+                  <a16:creationId xmlns:a16="http://schemas.microsoft.com/office/drawing/2014/main" id="{948BF3FF-FC23-42AF-80BB-6EF6A2E7D2DE}"/>
                 </a:ext>
               </a:extLst>
             </p:cNvPr>
@@ -25830,7 +25826,7 @@
               <a:hlinkClick r:id="rId4"/>
               <a:extLst>
                 <a:ext uri="{FF2B5EF4-FFF2-40B4-BE49-F238E27FC236}">
-                  <a16:creationId xmlns:a16="http://schemas.microsoft.com/office/drawing/2014/main" xmlns="" id="{44F98D6B-A014-49DE-BFE5-4440AB6347BD}"/>
+                  <a16:creationId xmlns:a16="http://schemas.microsoft.com/office/drawing/2014/main" id="{44F98D6B-A014-49DE-BFE5-4440AB6347BD}"/>
                 </a:ext>
               </a:extLst>
             </p:cNvPr>
@@ -25868,7 +25864,7 @@
           <p:cNvPr id="3" name="Group 2">
             <a:extLst>
               <a:ext uri="{FF2B5EF4-FFF2-40B4-BE49-F238E27FC236}">
-                <a16:creationId xmlns:a16="http://schemas.microsoft.com/office/drawing/2014/main" xmlns="" id="{C4CF38BC-F2EC-489B-BE10-CDDD29031FBC}"/>
+                <a16:creationId xmlns:a16="http://schemas.microsoft.com/office/drawing/2014/main" id="{C4CF38BC-F2EC-489B-BE10-CDDD29031FBC}"/>
               </a:ext>
             </a:extLst>
           </p:cNvPr>
@@ -25889,7 +25885,7 @@
             <p:cNvPr id="11" name="Rectangle: Rounded Corners 10">
               <a:extLst>
                 <a:ext uri="{FF2B5EF4-FFF2-40B4-BE49-F238E27FC236}">
-                  <a16:creationId xmlns:a16="http://schemas.microsoft.com/office/drawing/2014/main" xmlns="" id="{F6196F9E-CBF6-443C-979A-4C909EC7E6C1}"/>
+                  <a16:creationId xmlns:a16="http://schemas.microsoft.com/office/drawing/2014/main" id="{F6196F9E-CBF6-443C-979A-4C909EC7E6C1}"/>
                 </a:ext>
               </a:extLst>
             </p:cNvPr>
@@ -25956,7 +25952,7 @@
               <a:hlinkClick r:id="rId6"/>
               <a:extLst>
                 <a:ext uri="{FF2B5EF4-FFF2-40B4-BE49-F238E27FC236}">
-                  <a16:creationId xmlns:a16="http://schemas.microsoft.com/office/drawing/2014/main" xmlns="" id="{19D59668-3C9A-4BAE-83AF-92CB45919E32}"/>
+                  <a16:creationId xmlns:a16="http://schemas.microsoft.com/office/drawing/2014/main" id="{19D59668-3C9A-4BAE-83AF-92CB45919E32}"/>
                 </a:ext>
               </a:extLst>
             </p:cNvPr>
@@ -26193,7 +26189,7 @@
           <p:cNvPr id="5" name="Slide Number">
             <a:extLst>
               <a:ext uri="{FF2B5EF4-FFF2-40B4-BE49-F238E27FC236}">
-                <a16:creationId xmlns:a16="http://schemas.microsoft.com/office/drawing/2014/main" xmlns="" id="{B383B44F-49D4-462E-A16A-6FED8E2049B9}"/>
+                <a16:creationId xmlns:a16="http://schemas.microsoft.com/office/drawing/2014/main" id="{B383B44F-49D4-462E-A16A-6FED8E2049B9}"/>
               </a:ext>
             </a:extLst>
           </p:cNvPr>
@@ -26361,7 +26357,7 @@
           <p:cNvPr id="2" name="Slide Body">
             <a:extLst>
               <a:ext uri="{FF2B5EF4-FFF2-40B4-BE49-F238E27FC236}">
-                <a16:creationId xmlns:a16="http://schemas.microsoft.com/office/drawing/2014/main" xmlns="" id="{980F49B1-E4BE-4389-A747-7AB9B71AD920}"/>
+                <a16:creationId xmlns:a16="http://schemas.microsoft.com/office/drawing/2014/main" id="{980F49B1-E4BE-4389-A747-7AB9B71AD920}"/>
               </a:ext>
             </a:extLst>
           </p:cNvPr>
@@ -26451,7 +26447,7 @@
           <p:cNvPr id="6" name="Picture License" descr="License">
             <a:extLst>
               <a:ext uri="{FF2B5EF4-FFF2-40B4-BE49-F238E27FC236}">
-                <a16:creationId xmlns:a16="http://schemas.microsoft.com/office/drawing/2014/main" xmlns="" id="{A10A2585-858C-4B1E-8846-27CF1C15729E}"/>
+                <a16:creationId xmlns:a16="http://schemas.microsoft.com/office/drawing/2014/main" id="{A10A2585-858C-4B1E-8846-27CF1C15729E}"/>
               </a:ext>
             </a:extLst>
           </p:cNvPr>
@@ -26492,7 +26488,7 @@
           <p:cNvPr id="3" name="Slide Title">
             <a:extLst>
               <a:ext uri="{FF2B5EF4-FFF2-40B4-BE49-F238E27FC236}">
-                <a16:creationId xmlns:a16="http://schemas.microsoft.com/office/drawing/2014/main" xmlns="" id="{E5F1FB41-80C3-4816-BC47-CCC50632E6E8}"/>
+                <a16:creationId xmlns:a16="http://schemas.microsoft.com/office/drawing/2014/main" id="{E5F1FB41-80C3-4816-BC47-CCC50632E6E8}"/>
               </a:ext>
             </a:extLst>
           </p:cNvPr>
@@ -26521,7 +26517,7 @@
           <p:cNvPr id="7" name="Slide Number">
             <a:extLst>
               <a:ext uri="{FF2B5EF4-FFF2-40B4-BE49-F238E27FC236}">
-                <a16:creationId xmlns:a16="http://schemas.microsoft.com/office/drawing/2014/main" xmlns="" id="{A7BFD0C7-FB2C-4B7D-8F7C-E267590CF2FE}"/>
+                <a16:creationId xmlns:a16="http://schemas.microsoft.com/office/drawing/2014/main" id="{A7BFD0C7-FB2C-4B7D-8F7C-E267590CF2FE}"/>
               </a:ext>
             </a:extLst>
           </p:cNvPr>
@@ -26799,7 +26795,7 @@
           <p:cNvPr id="7" name="Slide Number">
             <a:extLst>
               <a:ext uri="{FF2B5EF4-FFF2-40B4-BE49-F238E27FC236}">
-                <a16:creationId xmlns:a16="http://schemas.microsoft.com/office/drawing/2014/main" xmlns="" id="{C62C32AF-D8FF-49D2-A3A9-07814C1989F5}"/>
+                <a16:creationId xmlns:a16="http://schemas.microsoft.com/office/drawing/2014/main" id="{C62C32AF-D8FF-49D2-A3A9-07814C1989F5}"/>
               </a:ext>
             </a:extLst>
           </p:cNvPr>
@@ -27129,7 +27125,7 @@
             </a:r>
             <a:r>
               <a:rPr lang="en-US" dirty="0"/>
-              <a:t> work that you could make working class based components</a:t>
+              <a:t> work that you could make work in class based components</a:t>
             </a:r>
           </a:p>
           <a:p>
@@ -27247,7 +27243,7 @@
           <p:cNvPr id="5" name="Slide Number">
             <a:extLst>
               <a:ext uri="{FF2B5EF4-FFF2-40B4-BE49-F238E27FC236}">
-                <a16:creationId xmlns:a16="http://schemas.microsoft.com/office/drawing/2014/main" xmlns="" id="{E809BC7C-C8BB-4178-A2E5-B9B8C52F23B8}"/>
+                <a16:creationId xmlns:a16="http://schemas.microsoft.com/office/drawing/2014/main" id="{E809BC7C-C8BB-4178-A2E5-B9B8C52F23B8}"/>
               </a:ext>
             </a:extLst>
           </p:cNvPr>
@@ -27547,7 +27543,7 @@
           <p:cNvPr id="5" name="Заглавие 4">
             <a:extLst>
               <a:ext uri="{FF2B5EF4-FFF2-40B4-BE49-F238E27FC236}">
-                <a16:creationId xmlns:a16="http://schemas.microsoft.com/office/drawing/2014/main" xmlns="" id="{993FA9E3-FA2C-4864-BFF8-171BC156F482}"/>
+                <a16:creationId xmlns:a16="http://schemas.microsoft.com/office/drawing/2014/main" id="{993FA9E3-FA2C-4864-BFF8-171BC156F482}"/>
               </a:ext>
             </a:extLst>
           </p:cNvPr>
@@ -27657,7 +27653,7 @@
             </a:r>
             <a:r>
               <a:rPr lang="en-US" dirty="0"/>
-              <a:t>to function components</a:t>
+              <a:t>to functional components</a:t>
             </a:r>
           </a:p>
           <a:p>
@@ -27700,7 +27696,7 @@
           <p:cNvPr id="6" name="Slide Number">
             <a:extLst>
               <a:ext uri="{FF2B5EF4-FFF2-40B4-BE49-F238E27FC236}">
-                <a16:creationId xmlns:a16="http://schemas.microsoft.com/office/drawing/2014/main" xmlns="" id="{23A12DA6-A1B1-4701-ADAC-50CF2FD7E94E}"/>
+                <a16:creationId xmlns:a16="http://schemas.microsoft.com/office/drawing/2014/main" id="{23A12DA6-A1B1-4701-ADAC-50CF2FD7E94E}"/>
               </a:ext>
             </a:extLst>
           </p:cNvPr>
@@ -28124,7 +28120,7 @@
           <p:cNvPr id="11" name="Rectangle 3">
             <a:extLst>
               <a:ext uri="{FF2B5EF4-FFF2-40B4-BE49-F238E27FC236}">
-                <a16:creationId xmlns:a16="http://schemas.microsoft.com/office/drawing/2014/main" xmlns="" id="{1A70C25E-3D76-4D3A-9787-4D617C562F50}"/>
+                <a16:creationId xmlns:a16="http://schemas.microsoft.com/office/drawing/2014/main" id="{1A70C25E-3D76-4D3A-9787-4D617C562F50}"/>
               </a:ext>
             </a:extLst>
           </p:cNvPr>
@@ -28204,7 +28200,7 @@
           <p:cNvPr id="14" name="Rectangle 3">
             <a:extLst>
               <a:ext uri="{FF2B5EF4-FFF2-40B4-BE49-F238E27FC236}">
-                <a16:creationId xmlns:a16="http://schemas.microsoft.com/office/drawing/2014/main" xmlns="" id="{1A70C25E-3D76-4D3A-9787-4D617C562F50}"/>
+                <a16:creationId xmlns:a16="http://schemas.microsoft.com/office/drawing/2014/main" id="{1A70C25E-3D76-4D3A-9787-4D617C562F50}"/>
               </a:ext>
             </a:extLst>
           </p:cNvPr>
@@ -28320,7 +28316,7 @@
           <p:cNvPr id="7" name="Slide Number">
             <a:extLst>
               <a:ext uri="{FF2B5EF4-FFF2-40B4-BE49-F238E27FC236}">
-                <a16:creationId xmlns:a16="http://schemas.microsoft.com/office/drawing/2014/main" xmlns="" id="{D11DBCF6-DFA6-4D21-B553-5EA57082EF6C}"/>
+                <a16:creationId xmlns:a16="http://schemas.microsoft.com/office/drawing/2014/main" id="{D11DBCF6-DFA6-4D21-B553-5EA57082EF6C}"/>
               </a:ext>
             </a:extLst>
           </p:cNvPr>
